--- a/Web Scraping Project.pptx
+++ b/Web Scraping Project.pptx
@@ -11231,57 +11231,6 @@
           </a:p>
         </p:txBody>
       </p:sp>
-      <p:sp>
-        <p:nvSpPr>
-          <p:cNvPr id="105" name="TextBox 104"/>
-          <p:cNvSpPr txBox="1"/>
-          <p:nvPr/>
-        </p:nvSpPr>
-        <p:spPr>
-          <a:xfrm>
-            <a:off x="4514959" y="6584747"/>
-            <a:ext cx="3161791" cy="246221"/>
-          </a:xfrm>
-          <a:prstGeom prst="rect">
-            <a:avLst/>
-          </a:prstGeom>
-          <a:noFill/>
-        </p:spPr>
-        <p:txBody>
-          <a:bodyPr wrap="square" rtlCol="0">
-            <a:spAutoFit/>
-          </a:bodyPr>
-          <a:lstStyle/>
-          <a:p>
-            <a:pPr algn="ctr"/>
-            <a:r>
-              <a:rPr lang="en-US" altLang="ko-KR" sz="1000" dirty="0" smtClean="0">
-                <a:latin typeface="KoPub돋움체 Light" panose="00000300000000000000" pitchFamily="2" charset="-127"/>
-                <a:ea typeface="KoPub돋움체 Light" panose="00000300000000000000" pitchFamily="2" charset="-127"/>
-              </a:rPr>
-              <a:t>Copyright </a:t>
-            </a:r>
-            <a:r>
-              <a:rPr lang="ko-KR" altLang="en-US" sz="1000" dirty="0" smtClean="0">
-                <a:latin typeface="KoPub돋움체 Light" panose="00000300000000000000" pitchFamily="2" charset="-127"/>
-                <a:ea typeface="KoPub돋움체 Light" panose="00000300000000000000" pitchFamily="2" charset="-127"/>
-              </a:rPr>
-              <a:t>ⓒ </a:t>
-            </a:r>
-            <a:r>
-              <a:rPr lang="en-US" altLang="ko-KR" sz="1000" dirty="0" smtClean="0">
-                <a:latin typeface="KoPub돋움체 Light" panose="00000300000000000000" pitchFamily="2" charset="-127"/>
-                <a:ea typeface="KoPub돋움체 Light" panose="00000300000000000000" pitchFamily="2" charset="-127"/>
-              </a:rPr>
-              <a:t>Slug. All right reserved.</a:t>
-            </a:r>
-            <a:endParaRPr lang="ko-KR" altLang="en-US" sz="1000" dirty="0">
-              <a:latin typeface="KoPub돋움체 Light" panose="00000300000000000000" pitchFamily="2" charset="-127"/>
-              <a:ea typeface="KoPub돋움체 Light" panose="00000300000000000000" pitchFamily="2" charset="-127"/>
-            </a:endParaRPr>
-          </a:p>
-        </p:txBody>
-      </p:sp>
       <p:pic>
         <p:nvPicPr>
           <p:cNvPr id="6" name="그림 5"/>

--- a/Web Scraping Project.pptx
+++ b/Web Scraping Project.pptx
@@ -206,7 +206,7 @@
           <a:p>
             <a:fld id="{846CD60D-3EB5-4746-A278-6CC96C068B6C}" type="datetimeFigureOut">
               <a:rPr kumimoji="1" lang="ko-KR" altLang="en-US" smtClean="0"/>
-              <a:t>2019. 7. 21.</a:t>
+              <a:t>2019. 7. 22.</a:t>
             </a:fld>
             <a:endParaRPr kumimoji="1" lang="ko-KR" altLang="en-US"/>
           </a:p>
@@ -619,535 +619,6 @@
               <a:tabLst/>
               <a:defRPr/>
             </a:pPr>
-            <a:r>
-              <a:rPr lang="en-US" altLang="ko-KR" sz="1200" dirty="0" smtClean="0">
-                <a:solidFill>
-                  <a:srgbClr val="64818D"/>
-                </a:solidFill>
-                <a:latin typeface="KoPub돋움체 Bold" panose="00000800000000000000" pitchFamily="2" charset="-127"/>
-                <a:ea typeface="KoPub돋움체 Bold" panose="00000800000000000000" pitchFamily="2" charset="-127"/>
-              </a:rPr>
-              <a:t>Q1.</a:t>
-            </a:r>
-            <a:r>
-              <a:rPr lang="ko-KR" altLang="en-US" sz="1200" dirty="0" smtClean="0">
-                <a:solidFill>
-                  <a:srgbClr val="64818D"/>
-                </a:solidFill>
-                <a:latin typeface="KoPub돋움체 Bold" panose="00000800000000000000" pitchFamily="2" charset="-127"/>
-                <a:ea typeface="KoPub돋움체 Bold" panose="00000800000000000000" pitchFamily="2" charset="-127"/>
-              </a:rPr>
-              <a:t> </a:t>
-            </a:r>
-            <a:r>
-              <a:rPr lang="en-US" altLang="ko-KR" sz="1200" dirty="0" smtClean="0"/>
-              <a:t>Where is Top10 National Park popular in the United States?</a:t>
-            </a:r>
-            <a:r>
-              <a:rPr lang="en-US" altLang="ko-KR" sz="1200" dirty="0" smtClean="0">
-                <a:solidFill>
-                  <a:srgbClr val="64818D"/>
-                </a:solidFill>
-                <a:latin typeface="KoPub돋움체 Bold" panose="00000800000000000000" pitchFamily="2" charset="-127"/>
-                <a:ea typeface="KoPub돋움체 Bold" panose="00000800000000000000" pitchFamily="2" charset="-127"/>
-              </a:rPr>
-              <a:t> </a:t>
-            </a:r>
-            <a:endParaRPr lang="ko-KR" altLang="en-US" sz="1200" dirty="0" smtClean="0">
-              <a:solidFill>
-                <a:srgbClr val="64818D"/>
-              </a:solidFill>
-              <a:latin typeface="KoPub돋움체 Bold" panose="00000800000000000000" pitchFamily="2" charset="-127"/>
-              <a:ea typeface="KoPub돋움체 Bold" panose="00000800000000000000" pitchFamily="2" charset="-127"/>
-            </a:endParaRPr>
-          </a:p>
-          <a:p>
-            <a:pPr marL="0" marR="0" indent="0" algn="l" defTabSz="914400" rtl="0" eaLnBrk="1" fontAlgn="auto" latinLnBrk="1" hangingPunct="1">
-              <a:lnSpc>
-                <a:spcPct val="100000"/>
-              </a:lnSpc>
-              <a:spcBef>
-                <a:spcPts val="0"/>
-              </a:spcBef>
-              <a:spcAft>
-                <a:spcPts val="0"/>
-              </a:spcAft>
-              <a:buClrTx/>
-              <a:buSzTx/>
-              <a:buFontTx/>
-              <a:buNone/>
-              <a:tabLst/>
-              <a:defRPr/>
-            </a:pPr>
-            <a:endParaRPr lang="en-US" altLang="ko-KR" dirty="0" smtClean="0"/>
-          </a:p>
-          <a:p>
-            <a:pPr marL="0" marR="0" indent="0" algn="l" defTabSz="914400" rtl="0" eaLnBrk="1" fontAlgn="auto" latinLnBrk="1" hangingPunct="1">
-              <a:lnSpc>
-                <a:spcPct val="100000"/>
-              </a:lnSpc>
-              <a:spcBef>
-                <a:spcPts val="0"/>
-              </a:spcBef>
-              <a:spcAft>
-                <a:spcPts val="0"/>
-              </a:spcAft>
-              <a:buClrTx/>
-              <a:buSzTx/>
-              <a:buFontTx/>
-              <a:buNone/>
-              <a:tabLst/>
-              <a:defRPr/>
-            </a:pPr>
-            <a:r>
-              <a:rPr lang="en-US" altLang="ko-KR" dirty="0" smtClean="0"/>
-              <a:t>-&gt;</a:t>
-            </a:r>
-            <a:r>
-              <a:rPr lang="en-US" altLang="ko-KR" baseline="0" dirty="0" smtClean="0"/>
-              <a:t> </a:t>
-            </a:r>
-            <a:r>
-              <a:rPr lang="ko-KR" altLang="en-US" baseline="0" dirty="0" smtClean="0"/>
-              <a:t>방문자수 </a:t>
-            </a:r>
-            <a:r>
-              <a:rPr lang="en-US" altLang="ko-KR" baseline="0" dirty="0" smtClean="0"/>
-              <a:t>1</a:t>
-            </a:r>
-            <a:r>
-              <a:rPr lang="ko-KR" altLang="en-US" baseline="0" dirty="0" smtClean="0"/>
-              <a:t>위는 </a:t>
-            </a:r>
-            <a:r>
-              <a:rPr lang="en-US" altLang="ko-KR" baseline="0" dirty="0" smtClean="0"/>
-              <a:t>Great Smoky Mountain </a:t>
-            </a:r>
-            <a:r>
-              <a:rPr lang="ko-KR" altLang="en-US" baseline="0" dirty="0" smtClean="0"/>
-              <a:t>이며</a:t>
-            </a:r>
-            <a:r>
-              <a:rPr lang="en-US" altLang="ko-KR" baseline="0" dirty="0" smtClean="0"/>
-              <a:t>,</a:t>
-            </a:r>
-            <a:r>
-              <a:rPr lang="ko-KR" altLang="en-US" baseline="0" dirty="0" smtClean="0"/>
-              <a:t> 이를 제외한 나머지 공원들은 과거부터 지금까지 방문자수의 변동이 있었다</a:t>
-            </a:r>
-            <a:r>
-              <a:rPr lang="en-US" altLang="ko-KR" baseline="0" dirty="0" smtClean="0"/>
-              <a:t>.</a:t>
-            </a:r>
-            <a:r>
-              <a:rPr lang="ko-KR" altLang="en-US" baseline="0" dirty="0" smtClean="0"/>
-              <a:t> </a:t>
-            </a:r>
-            <a:endParaRPr lang="en-US" altLang="ko-KR" dirty="0" smtClean="0"/>
-          </a:p>
-          <a:p>
-            <a:pPr marL="0" marR="0" indent="0" algn="l" defTabSz="914400" rtl="0" eaLnBrk="1" fontAlgn="auto" latinLnBrk="1" hangingPunct="1">
-              <a:lnSpc>
-                <a:spcPct val="100000"/>
-              </a:lnSpc>
-              <a:spcBef>
-                <a:spcPts val="0"/>
-              </a:spcBef>
-              <a:spcAft>
-                <a:spcPts val="0"/>
-              </a:spcAft>
-              <a:buClrTx/>
-              <a:buSzTx/>
-              <a:buFontTx/>
-              <a:buNone/>
-              <a:tabLst/>
-              <a:defRPr/>
-            </a:pPr>
-            <a:r>
-              <a:rPr lang="en-US" altLang="ko-KR" sz="1200" dirty="0" smtClean="0"/>
-              <a:t>The number one visitor is Great Smoke Mountain, and except for this, the number of visitors has changed since the past.</a:t>
-            </a:r>
-            <a:r>
-              <a:rPr lang="en-US" altLang="ko-KR" sz="1200" dirty="0" smtClean="0">
-                <a:solidFill>
-                  <a:srgbClr val="4E4E4E"/>
-                </a:solidFill>
-                <a:latin typeface="KoPub돋움체 Light" panose="00000300000000000000" pitchFamily="2" charset="-127"/>
-                <a:ea typeface="KoPub돋움체 Light" panose="00000300000000000000" pitchFamily="2" charset="-127"/>
-              </a:rPr>
-              <a:t> </a:t>
-            </a:r>
-            <a:endParaRPr lang="ko-KR" altLang="en-US" sz="1200" dirty="0" smtClean="0">
-              <a:solidFill>
-                <a:srgbClr val="4E4E4E"/>
-              </a:solidFill>
-              <a:latin typeface="KoPub돋움체 Light" panose="00000300000000000000" pitchFamily="2" charset="-127"/>
-              <a:ea typeface="KoPub돋움체 Light" panose="00000300000000000000" pitchFamily="2" charset="-127"/>
-            </a:endParaRPr>
-          </a:p>
-          <a:p>
-            <a:pPr marL="0" marR="0" indent="0" algn="l" defTabSz="914400" rtl="0" eaLnBrk="1" fontAlgn="auto" latinLnBrk="1" hangingPunct="1">
-              <a:lnSpc>
-                <a:spcPct val="100000"/>
-              </a:lnSpc>
-              <a:spcBef>
-                <a:spcPts val="0"/>
-              </a:spcBef>
-              <a:spcAft>
-                <a:spcPts val="0"/>
-              </a:spcAft>
-              <a:buClrTx/>
-              <a:buSzTx/>
-              <a:buFontTx/>
-              <a:buNone/>
-              <a:tabLst/>
-              <a:defRPr/>
-            </a:pPr>
-            <a:endParaRPr lang="en-US" altLang="ko-KR" sz="1200" dirty="0" smtClean="0">
-              <a:solidFill>
-                <a:srgbClr val="64818D"/>
-              </a:solidFill>
-              <a:latin typeface="KoPub돋움체 Bold" panose="00000800000000000000" pitchFamily="2" charset="-127"/>
-              <a:ea typeface="KoPub돋움체 Bold" panose="00000800000000000000" pitchFamily="2" charset="-127"/>
-            </a:endParaRPr>
-          </a:p>
-          <a:p>
-            <a:pPr marL="0" marR="0" indent="0" algn="l" defTabSz="914400" rtl="0" eaLnBrk="1" fontAlgn="auto" latinLnBrk="1" hangingPunct="1">
-              <a:lnSpc>
-                <a:spcPct val="100000"/>
-              </a:lnSpc>
-              <a:spcBef>
-                <a:spcPts val="0"/>
-              </a:spcBef>
-              <a:spcAft>
-                <a:spcPts val="0"/>
-              </a:spcAft>
-              <a:buClrTx/>
-              <a:buSzTx/>
-              <a:buFontTx/>
-              <a:buNone/>
-              <a:tabLst/>
-              <a:defRPr/>
-            </a:pPr>
-            <a:r>
-              <a:rPr lang="en-US" altLang="ko-KR" sz="1200" dirty="0" smtClean="0">
-                <a:solidFill>
-                  <a:srgbClr val="64818D"/>
-                </a:solidFill>
-                <a:latin typeface="KoPub돋움체 Bold" panose="00000800000000000000" pitchFamily="2" charset="-127"/>
-                <a:ea typeface="KoPub돋움체 Bold" panose="00000800000000000000" pitchFamily="2" charset="-127"/>
-              </a:rPr>
-              <a:t>Q2. </a:t>
-            </a:r>
-            <a:r>
-              <a:rPr lang="en-US" altLang="ko-KR" sz="1200" dirty="0" smtClean="0"/>
-              <a:t>When is a good time to go to the national park?</a:t>
-            </a:r>
-            <a:r>
-              <a:rPr lang="en-US" altLang="ko-KR" sz="1200" dirty="0" smtClean="0">
-                <a:solidFill>
-                  <a:srgbClr val="64818D"/>
-                </a:solidFill>
-                <a:latin typeface="KoPub돋움체 Bold" panose="00000800000000000000" pitchFamily="2" charset="-127"/>
-                <a:ea typeface="KoPub돋움체 Bold" panose="00000800000000000000" pitchFamily="2" charset="-127"/>
-              </a:rPr>
-              <a:t> </a:t>
-            </a:r>
-          </a:p>
-          <a:p>
-            <a:pPr marL="0" marR="0" indent="0" algn="l" defTabSz="914400" rtl="0" eaLnBrk="1" fontAlgn="auto" latinLnBrk="1" hangingPunct="1">
-              <a:lnSpc>
-                <a:spcPct val="100000"/>
-              </a:lnSpc>
-              <a:spcBef>
-                <a:spcPts val="0"/>
-              </a:spcBef>
-              <a:spcAft>
-                <a:spcPts val="0"/>
-              </a:spcAft>
-              <a:buClrTx/>
-              <a:buSzTx/>
-              <a:buFontTx/>
-              <a:buNone/>
-              <a:tabLst/>
-              <a:defRPr/>
-            </a:pPr>
-            <a:r>
-              <a:rPr lang="en-US" altLang="ko-KR" sz="1200" dirty="0" smtClean="0">
-                <a:solidFill>
-                  <a:srgbClr val="64818D"/>
-                </a:solidFill>
-                <a:latin typeface="KoPub돋움체 Bold" panose="00000800000000000000" pitchFamily="2" charset="-127"/>
-                <a:ea typeface="KoPub돋움체 Bold" panose="00000800000000000000" pitchFamily="2" charset="-127"/>
-              </a:rPr>
-              <a:t>-&gt;</a:t>
-            </a:r>
-            <a:r>
-              <a:rPr lang="ko-KR" altLang="en-US" sz="1200" baseline="0" dirty="0" smtClean="0">
-                <a:solidFill>
-                  <a:srgbClr val="64818D"/>
-                </a:solidFill>
-                <a:latin typeface="KoPub돋움체 Bold" panose="00000800000000000000" pitchFamily="2" charset="-127"/>
-                <a:ea typeface="KoPub돋움체 Bold" panose="00000800000000000000" pitchFamily="2" charset="-127"/>
-              </a:rPr>
-              <a:t> 방문자수는 </a:t>
-            </a:r>
-            <a:r>
-              <a:rPr kumimoji="1" lang="en-US" altLang="ko-KR" dirty="0" smtClean="0"/>
-              <a:t>6</a:t>
-            </a:r>
-            <a:r>
-              <a:rPr kumimoji="1" lang="ko-KR" altLang="en-US" dirty="0" smtClean="0"/>
-              <a:t>월부터 </a:t>
-            </a:r>
-            <a:r>
-              <a:rPr kumimoji="1" lang="en-US" altLang="ko-KR" dirty="0" smtClean="0"/>
-              <a:t>9</a:t>
-            </a:r>
-            <a:r>
-              <a:rPr kumimoji="1" lang="ko-KR" altLang="en-US" dirty="0" smtClean="0"/>
-              <a:t>월까지는 많은 달이며</a:t>
-            </a:r>
-            <a:r>
-              <a:rPr kumimoji="1" lang="en-US" altLang="ko-KR" baseline="0" dirty="0" smtClean="0"/>
-              <a:t>,</a:t>
-            </a:r>
-            <a:r>
-              <a:rPr kumimoji="1" lang="ko-KR" altLang="en-US" baseline="0" dirty="0" smtClean="0"/>
-              <a:t> 여행하기 좋은 시기는 만약 덜 붐비는 것을 선호한다면</a:t>
-            </a:r>
-            <a:r>
-              <a:rPr kumimoji="1" lang="en-US" altLang="ko-KR" baseline="0" dirty="0" smtClean="0"/>
-              <a:t>,</a:t>
-            </a:r>
-            <a:r>
-              <a:rPr kumimoji="1" lang="ko-KR" altLang="en-US" baseline="0" dirty="0" smtClean="0"/>
-              <a:t> </a:t>
-            </a:r>
-            <a:r>
-              <a:rPr kumimoji="1" lang="en-US" altLang="ko-KR" baseline="0" dirty="0" smtClean="0"/>
-              <a:t>5</a:t>
-            </a:r>
-            <a:r>
-              <a:rPr kumimoji="1" lang="ko-KR" altLang="en-US" baseline="0" dirty="0" smtClean="0"/>
-              <a:t>월이나 </a:t>
-            </a:r>
-            <a:r>
-              <a:rPr kumimoji="1" lang="en-US" altLang="ko-KR" baseline="0" dirty="0" smtClean="0"/>
-              <a:t>10</a:t>
-            </a:r>
-            <a:r>
-              <a:rPr kumimoji="1" lang="ko-KR" altLang="en-US" baseline="0" dirty="0" smtClean="0"/>
-              <a:t>월에 가는 것이 좋다</a:t>
-            </a:r>
-            <a:endParaRPr lang="ko-KR" altLang="en-US" sz="1200" dirty="0" smtClean="0">
-              <a:solidFill>
-                <a:srgbClr val="64818D"/>
-              </a:solidFill>
-              <a:latin typeface="KoPub돋움체 Bold" panose="00000800000000000000" pitchFamily="2" charset="-127"/>
-              <a:ea typeface="KoPub돋움체 Bold" panose="00000800000000000000" pitchFamily="2" charset="-127"/>
-            </a:endParaRPr>
-          </a:p>
-          <a:p>
-            <a:pPr marL="0" marR="0" indent="0" algn="l" defTabSz="914400" rtl="0" eaLnBrk="1" fontAlgn="auto" latinLnBrk="1" hangingPunct="1">
-              <a:lnSpc>
-                <a:spcPct val="100000"/>
-              </a:lnSpc>
-              <a:spcBef>
-                <a:spcPts val="0"/>
-              </a:spcBef>
-              <a:spcAft>
-                <a:spcPts val="0"/>
-              </a:spcAft>
-              <a:buClrTx/>
-              <a:buSzTx/>
-              <a:buFontTx/>
-              <a:buNone/>
-              <a:tabLst/>
-              <a:defRPr/>
-            </a:pPr>
-            <a:r>
-              <a:rPr lang="en-US" altLang="ko-KR" sz="1200" dirty="0" smtClean="0">
-                <a:solidFill>
-                  <a:srgbClr val="64818D"/>
-                </a:solidFill>
-                <a:latin typeface="KoPub돋움체 Bold" panose="00000800000000000000" pitchFamily="2" charset="-127"/>
-                <a:ea typeface="KoPub돋움체 Bold" panose="00000800000000000000" pitchFamily="2" charset="-127"/>
-              </a:rPr>
-              <a:t>Months with a large number of visitors are from June to September. If you prefer less crowded, it is good to go in May or October.</a:t>
-            </a:r>
-          </a:p>
-          <a:p>
-            <a:pPr marL="0" marR="0" indent="0" algn="l" defTabSz="914400" rtl="0" eaLnBrk="1" fontAlgn="auto" latinLnBrk="1" hangingPunct="1">
-              <a:lnSpc>
-                <a:spcPct val="100000"/>
-              </a:lnSpc>
-              <a:spcBef>
-                <a:spcPts val="0"/>
-              </a:spcBef>
-              <a:spcAft>
-                <a:spcPts val="0"/>
-              </a:spcAft>
-              <a:buClrTx/>
-              <a:buSzTx/>
-              <a:buFontTx/>
-              <a:buNone/>
-              <a:tabLst/>
-              <a:defRPr/>
-            </a:pPr>
-            <a:r>
-              <a:rPr lang="en-US" altLang="ko-KR" sz="1200" dirty="0" smtClean="0">
-                <a:solidFill>
-                  <a:srgbClr val="64818D"/>
-                </a:solidFill>
-                <a:latin typeface="KoPub돋움체 Bold" panose="00000800000000000000" pitchFamily="2" charset="-127"/>
-                <a:ea typeface="KoPub돋움체 Bold" panose="00000800000000000000" pitchFamily="2" charset="-127"/>
-              </a:rPr>
-              <a:t>Q3. </a:t>
-            </a:r>
-            <a:r>
-              <a:rPr lang="en-US" altLang="ko-KR" sz="1200" dirty="0" smtClean="0"/>
-              <a:t>What is the entrance fee for a popular national park? Does it have to do with the entrance</a:t>
-            </a:r>
-            <a:r>
-              <a:rPr lang="en-US" altLang="ko-KR" sz="1200" baseline="0" dirty="0" smtClean="0"/>
-              <a:t> </a:t>
-            </a:r>
-            <a:r>
-              <a:rPr lang="en-US" altLang="ko-KR" sz="1200" dirty="0" smtClean="0"/>
-              <a:t>fee and the number of visitors?</a:t>
-            </a:r>
-            <a:r>
-              <a:rPr lang="en-US" altLang="ko-KR" sz="1200" dirty="0" smtClean="0">
-                <a:solidFill>
-                  <a:srgbClr val="64818D"/>
-                </a:solidFill>
-                <a:latin typeface="KoPub돋움체 Bold" panose="00000800000000000000" pitchFamily="2" charset="-127"/>
-                <a:ea typeface="KoPub돋움체 Bold" panose="00000800000000000000" pitchFamily="2" charset="-127"/>
-              </a:rPr>
-              <a:t> </a:t>
-            </a:r>
-            <a:endParaRPr lang="ko-KR" altLang="en-US" sz="1200" dirty="0" smtClean="0">
-              <a:solidFill>
-                <a:srgbClr val="64818D"/>
-              </a:solidFill>
-              <a:latin typeface="KoPub돋움체 Bold" panose="00000800000000000000" pitchFamily="2" charset="-127"/>
-              <a:ea typeface="KoPub돋움체 Bold" panose="00000800000000000000" pitchFamily="2" charset="-127"/>
-            </a:endParaRPr>
-          </a:p>
-          <a:p>
-            <a:r>
-              <a:rPr kumimoji="1" lang="en-US" altLang="ko-KR" dirty="0" smtClean="0"/>
-              <a:t>-&gt;</a:t>
-            </a:r>
-            <a:r>
-              <a:rPr kumimoji="1" lang="ko-KR" altLang="en-US" dirty="0" smtClean="0"/>
-              <a:t>  입장료가 </a:t>
-            </a:r>
-            <a:r>
-              <a:rPr kumimoji="1" lang="en-US" altLang="ko-KR" dirty="0" smtClean="0"/>
-              <a:t>free</a:t>
-            </a:r>
-            <a:r>
-              <a:rPr kumimoji="1" lang="ko-KR" altLang="en-US" dirty="0" smtClean="0"/>
-              <a:t>인 </a:t>
-            </a:r>
-            <a:r>
-              <a:rPr kumimoji="1" lang="en-US" altLang="ko-KR" dirty="0" smtClean="0"/>
-              <a:t>Great</a:t>
-            </a:r>
-            <a:r>
-              <a:rPr kumimoji="1" lang="en-US" altLang="ko-KR" baseline="0" dirty="0" smtClean="0"/>
-              <a:t> Smoky Mountain</a:t>
-            </a:r>
-            <a:r>
-              <a:rPr kumimoji="1" lang="ko-KR" altLang="en-US" baseline="0" dirty="0" smtClean="0"/>
-              <a:t>을 제외하면</a:t>
-            </a:r>
-            <a:r>
-              <a:rPr kumimoji="1" lang="en-US" altLang="ko-KR" baseline="0" dirty="0" smtClean="0"/>
-              <a:t>,</a:t>
-            </a:r>
-            <a:r>
-              <a:rPr kumimoji="1" lang="ko-KR" altLang="en-US" baseline="0" dirty="0" smtClean="0"/>
-              <a:t> 입장료가 비싸면 방문자수가 높은 편임을 알 수 있다</a:t>
-            </a:r>
-            <a:r>
-              <a:rPr kumimoji="1" lang="en-US" altLang="ko-KR" baseline="0" dirty="0" smtClean="0"/>
-              <a:t>.</a:t>
-            </a:r>
-            <a:r>
-              <a:rPr kumimoji="1" lang="ko-KR" altLang="en-US" baseline="0" dirty="0" smtClean="0"/>
-              <a:t> </a:t>
-            </a:r>
-            <a:endParaRPr kumimoji="1" lang="en-US" altLang="ko-KR" baseline="0" dirty="0" smtClean="0"/>
-          </a:p>
-          <a:p>
-            <a:endParaRPr kumimoji="1" lang="en-US" altLang="ko-KR" baseline="0" dirty="0" smtClean="0"/>
-          </a:p>
-          <a:p>
-            <a:r>
-              <a:rPr kumimoji="1" lang="en-US" altLang="ko-KR" baseline="0" dirty="0" smtClean="0"/>
-              <a:t>#</a:t>
-            </a:r>
-            <a:r>
-              <a:rPr kumimoji="1" lang="ko-KR" altLang="en-US" baseline="0" dirty="0" smtClean="0"/>
-              <a:t> </a:t>
-            </a:r>
-            <a:r>
-              <a:rPr kumimoji="1" lang="en-US" altLang="ko-KR" baseline="0" dirty="0" smtClean="0"/>
-              <a:t>Future work </a:t>
-            </a:r>
-          </a:p>
-          <a:p>
-            <a:r>
-              <a:rPr kumimoji="1" lang="ko-KR" altLang="en-US" baseline="0" dirty="0" smtClean="0"/>
-              <a:t>국립공원의 날씨와 방문자 수의 상관 관계 분석 </a:t>
-            </a:r>
-            <a:endParaRPr kumimoji="1" lang="en-US" altLang="ko-KR" baseline="0" dirty="0" smtClean="0"/>
-          </a:p>
-          <a:p>
-            <a:r>
-              <a:rPr kumimoji="1" lang="ko-KR" altLang="en-US" baseline="0" dirty="0" smtClean="0"/>
-              <a:t>국립공원의 시설과 입장료의 관계 분석</a:t>
-            </a:r>
-            <a:endParaRPr kumimoji="1" lang="en-US" altLang="ko-KR" baseline="0" dirty="0" smtClean="0"/>
-          </a:p>
-          <a:p>
-            <a:endParaRPr kumimoji="1" lang="en-US" altLang="ko-KR" baseline="0" dirty="0" smtClean="0"/>
-          </a:p>
-          <a:p>
-            <a:r>
-              <a:rPr lang="en-US" altLang="ko-KR" sz="1200" b="0" i="0" kern="1200" dirty="0" smtClean="0">
-                <a:solidFill>
-                  <a:schemeClr val="tx1"/>
-                </a:solidFill>
-                <a:effectLst/>
-                <a:latin typeface="+mn-lt"/>
-                <a:ea typeface="+mn-ea"/>
-                <a:cs typeface="+mn-cs"/>
-              </a:rPr>
-              <a:t>Correlation Analysis of Weather and Number of Visitors in National Park </a:t>
-            </a:r>
-            <a:r>
-              <a:rPr lang="en-US" altLang="ko-KR" dirty="0" smtClean="0"/>
-              <a:t/>
-            </a:r>
-            <a:br>
-              <a:rPr lang="en-US" altLang="ko-KR" dirty="0" smtClean="0"/>
-            </a:br>
-            <a:r>
-              <a:rPr lang="en-US" altLang="ko-KR" sz="1200" b="0" i="0" kern="1200" dirty="0" smtClean="0">
-                <a:solidFill>
-                  <a:schemeClr val="tx1"/>
-                </a:solidFill>
-                <a:effectLst/>
-                <a:latin typeface="+mn-lt"/>
-                <a:ea typeface="+mn-ea"/>
-                <a:cs typeface="+mn-cs"/>
-              </a:rPr>
-              <a:t>An Analysis on the Facilities and Admission Rate of National Parks</a:t>
-            </a:r>
             <a:endParaRPr kumimoji="1" lang="ko-KR" altLang="en-US" dirty="0"/>
           </a:p>
         </p:txBody>
@@ -1316,206 +787,6 @@
           <a:bodyPr/>
           <a:lstStyle/>
           <a:p>
-            <a:r>
-              <a:rPr kumimoji="1" lang="ko-KR" altLang="en-US" dirty="0" smtClean="0"/>
-              <a:t>나는 왜 내셔널파크를 선택했는가</a:t>
-            </a:r>
-            <a:r>
-              <a:rPr kumimoji="1" lang="en-US" altLang="ko-KR" dirty="0" smtClean="0"/>
-              <a:t>?</a:t>
-            </a:r>
-            <a:r>
-              <a:rPr kumimoji="1" lang="ko-KR" altLang="en-US" dirty="0" smtClean="0"/>
-              <a:t> </a:t>
-            </a:r>
-            <a:r>
-              <a:rPr kumimoji="1" lang="en-US" altLang="ko-KR" dirty="0" smtClean="0"/>
-              <a:t> (</a:t>
-            </a:r>
-            <a:r>
-              <a:rPr lang="en-US" altLang="ko-KR" sz="1200" dirty="0" smtClean="0"/>
-              <a:t>Why did I choose National Park?)</a:t>
-            </a:r>
-            <a:endParaRPr kumimoji="1" lang="en-US" altLang="ko-KR" dirty="0" smtClean="0"/>
-          </a:p>
-          <a:p>
-            <a:endParaRPr kumimoji="1" lang="en-US" altLang="ko-KR" dirty="0" smtClean="0"/>
-          </a:p>
-          <a:p>
-            <a:r>
-              <a:rPr kumimoji="1" lang="ko-KR" altLang="en-US" dirty="0" smtClean="0"/>
-              <a:t>나는 여행하기를 좋아하며 나에게 쉬는 시간이 생기면 여행을 가려고 노력한다</a:t>
-            </a:r>
-            <a:r>
-              <a:rPr kumimoji="1" lang="en-US" altLang="ko-KR" dirty="0" smtClean="0"/>
-              <a:t>.</a:t>
-            </a:r>
-            <a:r>
-              <a:rPr kumimoji="1" lang="ko-KR" altLang="en-US" dirty="0" smtClean="0"/>
-              <a:t> </a:t>
-            </a:r>
-            <a:endParaRPr kumimoji="1" lang="en-US" altLang="ko-KR" dirty="0" smtClean="0"/>
-          </a:p>
-          <a:p>
-            <a:r>
-              <a:rPr kumimoji="1" lang="ko-KR" altLang="en-US" dirty="0" smtClean="0"/>
-              <a:t>또한</a:t>
-            </a:r>
-            <a:r>
-              <a:rPr kumimoji="1" lang="en-US" altLang="ko-KR" dirty="0" smtClean="0"/>
-              <a:t>,</a:t>
-            </a:r>
-            <a:r>
-              <a:rPr kumimoji="1" lang="ko-KR" altLang="en-US" dirty="0" smtClean="0"/>
-              <a:t> 영화를 보면서 배경에 나왔던 곳을 찾아보고 그 곳에 찾아가는 걸 좋아한다</a:t>
-            </a:r>
-            <a:r>
-              <a:rPr kumimoji="1" lang="en-US" altLang="ko-KR" dirty="0" smtClean="0"/>
-              <a:t>.</a:t>
-            </a:r>
-            <a:r>
-              <a:rPr kumimoji="1" lang="ko-KR" altLang="en-US" dirty="0" smtClean="0"/>
-              <a:t> </a:t>
-            </a:r>
-            <a:endParaRPr kumimoji="1" lang="en-US" altLang="ko-KR" dirty="0" smtClean="0"/>
-          </a:p>
-          <a:p>
-            <a:r>
-              <a:rPr kumimoji="1" lang="ko-KR" altLang="en-US" dirty="0" smtClean="0"/>
-              <a:t>나는 와일드라는 영화를 보고 미국에 있는 내셔널파크에 대한 환상</a:t>
-            </a:r>
-            <a:r>
-              <a:rPr kumimoji="1" lang="en-US" altLang="ko-KR" dirty="0" smtClean="0"/>
-              <a:t>?</a:t>
-            </a:r>
-            <a:r>
-              <a:rPr kumimoji="1" lang="ko-KR" altLang="en-US" dirty="0" smtClean="0"/>
-              <a:t>을 가지기 시작했다</a:t>
-            </a:r>
-            <a:r>
-              <a:rPr kumimoji="1" lang="en-US" altLang="ko-KR" dirty="0" smtClean="0"/>
-              <a:t>.</a:t>
-            </a:r>
-          </a:p>
-          <a:p>
-            <a:r>
-              <a:rPr kumimoji="1" lang="ko-KR" altLang="en-US" dirty="0" smtClean="0"/>
-              <a:t>영화에는 </a:t>
-            </a:r>
-            <a:r>
-              <a:rPr kumimoji="1" lang="en-US" altLang="ko-KR" dirty="0" smtClean="0"/>
-              <a:t>PCT</a:t>
-            </a:r>
-            <a:r>
-              <a:rPr kumimoji="1" lang="ko-KR" altLang="en-US" dirty="0" smtClean="0"/>
-              <a:t>라고 해서 </a:t>
-            </a:r>
-            <a:endParaRPr kumimoji="1" lang="en-US" altLang="ko-KR" dirty="0" smtClean="0"/>
-          </a:p>
-          <a:p>
-            <a:r>
-              <a:rPr kumimoji="1" lang="ko-KR" altLang="en-US" dirty="0" smtClean="0"/>
-              <a:t>아직 나는 한번도 가본 적이 없기 때문에 어떤 내셔널파크를 가야 하는지를 프로젝트 주제로 선정하였다</a:t>
-            </a:r>
-            <a:r>
-              <a:rPr kumimoji="1" lang="en-US" altLang="ko-KR" dirty="0" smtClean="0"/>
-              <a:t>.</a:t>
-            </a:r>
-            <a:r>
-              <a:rPr kumimoji="1" lang="ko-KR" altLang="en-US" dirty="0" smtClean="0"/>
-              <a:t>  </a:t>
-            </a:r>
-            <a:endParaRPr kumimoji="1" lang="en-US" altLang="ko-KR" dirty="0" smtClean="0"/>
-          </a:p>
-          <a:p>
-            <a:r>
-              <a:rPr kumimoji="1" lang="en-US" altLang="ko-KR" dirty="0" smtClean="0"/>
-              <a:t>##</a:t>
-            </a:r>
-            <a:r>
-              <a:rPr kumimoji="1" lang="ko-KR" altLang="en-US" dirty="0" smtClean="0"/>
-              <a:t> 사실 이 영화는 주인공인 리즈 위더스푼이 </a:t>
-            </a:r>
-            <a:endParaRPr kumimoji="1" lang="en-US" altLang="ko-KR" dirty="0" smtClean="0"/>
-          </a:p>
-          <a:p>
-            <a:endParaRPr kumimoji="1" lang="en-US" altLang="ko-KR" dirty="0" smtClean="0"/>
-          </a:p>
-          <a:p>
-            <a:r>
-              <a:rPr kumimoji="1" lang="en-US" altLang="ko-KR" dirty="0" smtClean="0"/>
-              <a:t>Question</a:t>
-            </a:r>
-            <a:r>
-              <a:rPr kumimoji="1" lang="en-US" altLang="ko-KR" baseline="0" dirty="0" smtClean="0"/>
-              <a:t> 1. </a:t>
-            </a:r>
-            <a:r>
-              <a:rPr kumimoji="1" lang="ko-KR" altLang="en-US" baseline="0" dirty="0" smtClean="0"/>
-              <a:t>미국에서 인기있는 </a:t>
-            </a:r>
-            <a:r>
-              <a:rPr kumimoji="1" lang="en-US" altLang="ko-KR" baseline="0" dirty="0" smtClean="0"/>
-              <a:t>top10</a:t>
-            </a:r>
-            <a:r>
-              <a:rPr kumimoji="1" lang="ko-KR" altLang="en-US" baseline="0" dirty="0" smtClean="0"/>
-              <a:t>은 어디인가</a:t>
-            </a:r>
-            <a:r>
-              <a:rPr kumimoji="1" lang="en-US" altLang="ko-KR" baseline="0" dirty="0" smtClean="0"/>
-              <a:t>?</a:t>
-            </a:r>
-            <a:r>
-              <a:rPr kumimoji="1" lang="ko-KR" altLang="en-US" baseline="0" dirty="0" smtClean="0"/>
-              <a:t> </a:t>
-            </a:r>
-            <a:endParaRPr kumimoji="1" lang="en-US" altLang="ko-KR" baseline="0" dirty="0" smtClean="0"/>
-          </a:p>
-          <a:p>
-            <a:r>
-              <a:rPr kumimoji="1" lang="en-US" altLang="ko-KR" baseline="0" dirty="0" smtClean="0"/>
-              <a:t>Question 2. </a:t>
-            </a:r>
-            <a:r>
-              <a:rPr kumimoji="1" lang="ko-KR" altLang="en-US" baseline="0" dirty="0" smtClean="0"/>
-              <a:t>국립공원을 가기 좋은 시기는</a:t>
-            </a:r>
-            <a:r>
-              <a:rPr kumimoji="1" lang="en-US" altLang="ko-KR" baseline="0" dirty="0" smtClean="0"/>
-              <a:t>?</a:t>
-            </a:r>
-            <a:r>
-              <a:rPr kumimoji="1" lang="ko-KR" altLang="en-US" baseline="0" dirty="0" smtClean="0"/>
-              <a:t> </a:t>
-            </a:r>
-            <a:endParaRPr kumimoji="1" lang="en-US" altLang="ko-KR" baseline="0" dirty="0" smtClean="0"/>
-          </a:p>
-          <a:p>
-            <a:r>
-              <a:rPr kumimoji="1" lang="en-US" altLang="ko-KR" baseline="0" dirty="0" smtClean="0"/>
-              <a:t>Question 3. </a:t>
-            </a:r>
-            <a:r>
-              <a:rPr kumimoji="1" lang="ko-KR" altLang="en-US" baseline="0" dirty="0" smtClean="0"/>
-              <a:t>인기있는 국립공원의 입장료는</a:t>
-            </a:r>
-            <a:r>
-              <a:rPr kumimoji="1" lang="en-US" altLang="ko-KR" baseline="0" dirty="0" smtClean="0"/>
-              <a:t>?</a:t>
-            </a:r>
-            <a:r>
-              <a:rPr kumimoji="1" lang="ko-KR" altLang="en-US" baseline="0" dirty="0" smtClean="0"/>
-              <a:t> 입장료와 방문자수와 연관이 있나</a:t>
-            </a:r>
-            <a:r>
-              <a:rPr kumimoji="1" lang="en-US" altLang="ko-KR" baseline="0" dirty="0" smtClean="0"/>
-              <a:t>?</a:t>
-            </a:r>
-            <a:r>
-              <a:rPr kumimoji="1" lang="ko-KR" altLang="en-US" baseline="0" dirty="0" smtClean="0"/>
-              <a:t> </a:t>
-            </a:r>
             <a:endParaRPr kumimoji="1" lang="en-US" altLang="ko-KR" baseline="0" dirty="0" smtClean="0"/>
           </a:p>
         </p:txBody>
@@ -1600,72 +871,6 @@
           <a:bodyPr/>
           <a:lstStyle/>
           <a:p>
-            <a:r>
-              <a:rPr kumimoji="1" lang="ko-KR" altLang="en-US" dirty="0" smtClean="0"/>
-              <a:t>나느 </a:t>
-            </a:r>
-            <a:r>
-              <a:rPr kumimoji="1" lang="en-US" altLang="ko-KR" dirty="0" smtClean="0"/>
-              <a:t>2</a:t>
-            </a:r>
-            <a:r>
-              <a:rPr kumimoji="1" lang="ko-KR" altLang="en-US" dirty="0" smtClean="0"/>
-              <a:t>개의 사이트를 스크래핑 하였다</a:t>
-            </a:r>
-            <a:r>
-              <a:rPr kumimoji="1" lang="en-US" altLang="ko-KR" dirty="0" smtClean="0"/>
-              <a:t>.</a:t>
-            </a:r>
-            <a:r>
-              <a:rPr kumimoji="1" lang="ko-KR" altLang="en-US" dirty="0" smtClean="0"/>
-              <a:t> </a:t>
-            </a:r>
-            <a:endParaRPr kumimoji="1" lang="en-US" altLang="ko-KR" dirty="0" smtClean="0"/>
-          </a:p>
-          <a:p>
-            <a:r>
-              <a:rPr kumimoji="1" lang="ko-KR" altLang="en-US" dirty="0" smtClean="0"/>
-              <a:t>위키피디아에서 공원별 방문자수</a:t>
-            </a:r>
-            <a:r>
-              <a:rPr kumimoji="1" lang="ko-KR" altLang="en-US" baseline="0" dirty="0" smtClean="0"/>
-              <a:t> 데이터를 얻었고</a:t>
-            </a:r>
-            <a:r>
-              <a:rPr kumimoji="1" lang="en-US" altLang="ko-KR" baseline="0" dirty="0" smtClean="0"/>
-              <a:t>,</a:t>
-            </a:r>
-            <a:r>
-              <a:rPr kumimoji="1" lang="ko-KR" altLang="en-US" baseline="0" dirty="0" smtClean="0"/>
-              <a:t> </a:t>
-            </a:r>
-            <a:endParaRPr kumimoji="1" lang="en-US" altLang="ko-KR" baseline="0" dirty="0" smtClean="0"/>
-          </a:p>
-          <a:p>
-            <a:r>
-              <a:rPr kumimoji="1" lang="ko-KR" altLang="en-US" baseline="0" dirty="0" smtClean="0"/>
-              <a:t>내셔널 파크 공식 사이트에서 방문자수 </a:t>
-            </a:r>
-            <a:r>
-              <a:rPr kumimoji="1" lang="en-US" altLang="ko-KR" baseline="0" dirty="0" smtClean="0"/>
-              <a:t>top 10</a:t>
-            </a:r>
-            <a:r>
-              <a:rPr kumimoji="1" lang="ko-KR" altLang="en-US" baseline="0" dirty="0" smtClean="0"/>
-              <a:t>과 입장료 데이터를 스크래핑 하였다</a:t>
-            </a:r>
-            <a:r>
-              <a:rPr kumimoji="1" lang="en-US" altLang="ko-KR" baseline="0" dirty="0" smtClean="0"/>
-              <a:t>.</a:t>
-            </a:r>
-            <a:r>
-              <a:rPr kumimoji="1" lang="ko-KR" altLang="en-US" baseline="0" dirty="0" smtClean="0"/>
-              <a:t>  </a:t>
-            </a:r>
-            <a:r>
-              <a:rPr kumimoji="1" lang="en-US" altLang="ko-KR" baseline="0" dirty="0" smtClean="0"/>
-              <a:t> </a:t>
-            </a:r>
             <a:endParaRPr kumimoji="1" lang="ko-KR" altLang="en-US" dirty="0"/>
           </a:p>
         </p:txBody>
@@ -1750,137 +955,6 @@
           <a:bodyPr/>
           <a:lstStyle/>
           <a:p>
-            <a:r>
-              <a:rPr kumimoji="1" lang="ko-KR" altLang="en-US" dirty="0" smtClean="0"/>
-              <a:t>이 그래프는 </a:t>
-            </a:r>
-            <a:r>
-              <a:rPr kumimoji="1" lang="en-US" altLang="ko-KR" dirty="0" smtClean="0"/>
-              <a:t>2018</a:t>
-            </a:r>
-            <a:r>
-              <a:rPr kumimoji="1" lang="ko-KR" altLang="en-US" dirty="0" smtClean="0"/>
-              <a:t>년도에 방문자수가 가장 많은 순위를 바 그래프로 나타냈다</a:t>
-            </a:r>
-            <a:r>
-              <a:rPr kumimoji="1" lang="en-US" altLang="ko-KR" dirty="0" smtClean="0"/>
-              <a:t>.</a:t>
-            </a:r>
-            <a:r>
-              <a:rPr kumimoji="1" lang="ko-KR" altLang="en-US" dirty="0" smtClean="0"/>
-              <a:t> 이 데이터를 접하기 전에는 그랜드 캐년이나 요시미티 국립공원이 </a:t>
-            </a:r>
-            <a:r>
-              <a:rPr kumimoji="1" lang="en-US" altLang="ko-KR" dirty="0" smtClean="0"/>
-              <a:t>1,2</a:t>
-            </a:r>
-            <a:r>
-              <a:rPr kumimoji="1" lang="ko-KR" altLang="en-US" dirty="0" smtClean="0"/>
-              <a:t>위</a:t>
-            </a:r>
-            <a:r>
-              <a:rPr kumimoji="1" lang="ko-KR" altLang="en-US" baseline="0" dirty="0" smtClean="0"/>
-              <a:t> 일줄 알았으나</a:t>
-            </a:r>
-            <a:r>
-              <a:rPr kumimoji="1" lang="en-US" altLang="ko-KR" baseline="0" dirty="0" smtClean="0"/>
-              <a:t>,</a:t>
-            </a:r>
-            <a:r>
-              <a:rPr kumimoji="1" lang="ko-KR" altLang="en-US" baseline="0" dirty="0" smtClean="0"/>
-              <a:t> 그레이트 스모키 마운틴이 압도적인 방문자 수 </a:t>
-            </a:r>
-            <a:r>
-              <a:rPr kumimoji="1" lang="en-US" altLang="ko-KR" baseline="0" dirty="0" smtClean="0"/>
-              <a:t>1</a:t>
-            </a:r>
-            <a:r>
-              <a:rPr kumimoji="1" lang="ko-KR" altLang="en-US" baseline="0" dirty="0" smtClean="0"/>
-              <a:t>위인 것을 알 수 있다</a:t>
-            </a:r>
-            <a:r>
-              <a:rPr kumimoji="1" lang="en-US" altLang="ko-KR" baseline="0" dirty="0" smtClean="0"/>
-              <a:t>.</a:t>
-            </a:r>
-            <a:r>
-              <a:rPr kumimoji="1" lang="ko-KR" altLang="en-US" baseline="0" dirty="0" smtClean="0"/>
-              <a:t> </a:t>
-            </a:r>
-            <a:endParaRPr kumimoji="1" lang="en-US" altLang="ko-KR" baseline="0" dirty="0" smtClean="0"/>
-          </a:p>
-          <a:p>
-            <a:r>
-              <a:rPr kumimoji="1" lang="ko-KR" altLang="en-US" dirty="0" smtClean="0"/>
-              <a:t>그렇다면 </a:t>
-            </a:r>
-            <a:r>
-              <a:rPr kumimoji="1" lang="en-US" altLang="ko-KR" dirty="0" smtClean="0"/>
-              <a:t>2018</a:t>
-            </a:r>
-            <a:r>
-              <a:rPr kumimoji="1" lang="ko-KR" altLang="en-US" dirty="0" smtClean="0"/>
-              <a:t>년이 아닌 과거에도 그레이트 스모키 마운틴이 </a:t>
-            </a:r>
-            <a:r>
-              <a:rPr kumimoji="1" lang="en-US" altLang="ko-KR" dirty="0" smtClean="0"/>
-              <a:t>1</a:t>
-            </a:r>
-            <a:r>
-              <a:rPr kumimoji="1" lang="ko-KR" altLang="en-US" dirty="0" smtClean="0"/>
-              <a:t>위였을까</a:t>
-            </a:r>
-            <a:r>
-              <a:rPr kumimoji="1" lang="en-US" altLang="ko-KR" dirty="0" smtClean="0"/>
-              <a:t>?</a:t>
-            </a:r>
-            <a:r>
-              <a:rPr kumimoji="1" lang="ko-KR" altLang="en-US" dirty="0" smtClean="0"/>
-              <a:t> 현재 </a:t>
-            </a:r>
-            <a:r>
-              <a:rPr kumimoji="1" lang="en-US" altLang="ko-KR" dirty="0" smtClean="0"/>
-              <a:t>2</a:t>
-            </a:r>
-            <a:r>
-              <a:rPr kumimoji="1" lang="ko-KR" altLang="en-US" dirty="0" smtClean="0"/>
-              <a:t>위인 그랜드 캐년도 항상</a:t>
-            </a:r>
-            <a:r>
-              <a:rPr kumimoji="1" lang="ko-KR" altLang="en-US" baseline="0" dirty="0" smtClean="0"/>
-              <a:t> 방문자 수 </a:t>
-            </a:r>
-            <a:r>
-              <a:rPr kumimoji="1" lang="en-US" altLang="ko-KR" baseline="0" dirty="0" smtClean="0"/>
-              <a:t>2</a:t>
-            </a:r>
-            <a:r>
-              <a:rPr kumimoji="1" lang="ko-KR" altLang="en-US" baseline="0" dirty="0" smtClean="0"/>
-              <a:t>위였을까</a:t>
-            </a:r>
-            <a:r>
-              <a:rPr kumimoji="1" lang="en-US" altLang="ko-KR" baseline="0" dirty="0" smtClean="0"/>
-              <a:t>?</a:t>
-            </a:r>
-            <a:r>
-              <a:rPr kumimoji="1" lang="ko-KR" altLang="en-US" baseline="0" dirty="0" smtClean="0"/>
-              <a:t> 가장 인기있는 </a:t>
-            </a:r>
-            <a:r>
-              <a:rPr kumimoji="1" lang="en-US" altLang="ko-KR" baseline="0" dirty="0" smtClean="0"/>
-              <a:t>10</a:t>
-            </a:r>
-            <a:r>
-              <a:rPr kumimoji="1" lang="ko-KR" altLang="en-US" baseline="0" dirty="0" smtClean="0"/>
-              <a:t>개의 국립공원의 과거 데이터를 살펴보자</a:t>
-            </a:r>
-            <a:r>
-              <a:rPr kumimoji="1" lang="en-US" altLang="ko-KR" baseline="0" dirty="0" smtClean="0"/>
-              <a:t>.</a:t>
-            </a:r>
-            <a:r>
-              <a:rPr kumimoji="1" lang="ko-KR" altLang="en-US" baseline="0" dirty="0" smtClean="0"/>
-              <a:t> </a:t>
-            </a:r>
             <a:endParaRPr kumimoji="1" lang="en-US" altLang="ko-KR" dirty="0" smtClean="0"/>
           </a:p>
         </p:txBody>
@@ -1965,169 +1039,6 @@
           <a:bodyPr/>
           <a:lstStyle/>
           <a:p>
-            <a:endParaRPr kumimoji="1" lang="en-US" altLang="ko-KR" baseline="0" dirty="0" smtClean="0"/>
-          </a:p>
-          <a:p>
-            <a:r>
-              <a:rPr kumimoji="1" lang="ko-KR" altLang="en-US" dirty="0" smtClean="0"/>
-              <a:t>여전히 </a:t>
-            </a:r>
-            <a:r>
-              <a:rPr kumimoji="1" lang="en-US" altLang="ko-KR" dirty="0" smtClean="0"/>
-              <a:t>Great</a:t>
-            </a:r>
-            <a:r>
-              <a:rPr kumimoji="1" lang="en-US" altLang="ko-KR" baseline="0" dirty="0" smtClean="0"/>
-              <a:t> smoky </a:t>
-            </a:r>
-            <a:r>
-              <a:rPr kumimoji="1" lang="en-US" altLang="ko-KR" baseline="0" dirty="0" err="1" smtClean="0"/>
-              <a:t>Mountatins</a:t>
-            </a:r>
-            <a:r>
-              <a:rPr kumimoji="1" lang="en-US" altLang="ko-KR" baseline="0" dirty="0" smtClean="0"/>
-              <a:t> national park</a:t>
-            </a:r>
-            <a:r>
-              <a:rPr kumimoji="1" lang="ko-KR" altLang="en-US" baseline="0" dirty="0" smtClean="0"/>
-              <a:t>가 압도적인 방문자수 </a:t>
-            </a:r>
-            <a:r>
-              <a:rPr kumimoji="1" lang="en-US" altLang="ko-KR" baseline="0" dirty="0" smtClean="0"/>
-              <a:t>1</a:t>
-            </a:r>
-            <a:r>
-              <a:rPr kumimoji="1" lang="ko-KR" altLang="en-US" baseline="0" dirty="0" smtClean="0"/>
-              <a:t>위를 하고 있고</a:t>
-            </a:r>
-            <a:r>
-              <a:rPr kumimoji="1" lang="en-US" altLang="ko-KR" baseline="0" dirty="0" smtClean="0"/>
-              <a:t>,</a:t>
-            </a:r>
-            <a:r>
-              <a:rPr kumimoji="1" lang="ko-KR" altLang="en-US" baseline="0" dirty="0" smtClean="0"/>
-              <a:t> </a:t>
-            </a:r>
-            <a:r>
-              <a:rPr kumimoji="1" lang="en-US" altLang="ko-KR" baseline="0" dirty="0" smtClean="0"/>
-              <a:t>2018</a:t>
-            </a:r>
-            <a:r>
-              <a:rPr kumimoji="1" lang="ko-KR" altLang="en-US" baseline="0" dirty="0" smtClean="0"/>
-              <a:t>년도 </a:t>
-            </a:r>
-            <a:r>
-              <a:rPr kumimoji="1" lang="en-US" altLang="ko-KR" baseline="0" dirty="0" smtClean="0"/>
-              <a:t>2</a:t>
-            </a:r>
-            <a:r>
-              <a:rPr kumimoji="1" lang="ko-KR" altLang="en-US" baseline="0" dirty="0" smtClean="0"/>
-              <a:t>위인 그랜드 캐년은 </a:t>
-            </a:r>
-            <a:r>
-              <a:rPr kumimoji="1" lang="en-US" altLang="ko-KR" baseline="0" dirty="0" smtClean="0"/>
-              <a:t>1980</a:t>
-            </a:r>
-            <a:r>
-              <a:rPr kumimoji="1" lang="ko-KR" altLang="en-US" baseline="0" dirty="0" smtClean="0"/>
-              <a:t>년에는 </a:t>
-            </a:r>
-            <a:r>
-              <a:rPr kumimoji="1" lang="en-US" altLang="ko-KR" baseline="0" dirty="0" smtClean="0"/>
-              <a:t>2</a:t>
-            </a:r>
-            <a:r>
-              <a:rPr kumimoji="1" lang="ko-KR" altLang="en-US" baseline="0" dirty="0" smtClean="0"/>
-              <a:t>위가 아니엿으나 꾸준한 상승세를 통해 </a:t>
-            </a:r>
-            <a:r>
-              <a:rPr kumimoji="1" lang="en-US" altLang="ko-KR" baseline="0" dirty="0" smtClean="0"/>
-              <a:t>1990</a:t>
-            </a:r>
-            <a:r>
-              <a:rPr kumimoji="1" lang="ko-KR" altLang="en-US" baseline="0" dirty="0" smtClean="0"/>
-              <a:t>년도 부터 </a:t>
-            </a:r>
-            <a:r>
-              <a:rPr kumimoji="1" lang="en-US" altLang="ko-KR" baseline="0" dirty="0" smtClean="0"/>
-              <a:t>2</a:t>
-            </a:r>
-            <a:r>
-              <a:rPr kumimoji="1" lang="ko-KR" altLang="en-US" baseline="0" dirty="0" smtClean="0"/>
-              <a:t>위 방문자수를 가지고 있다</a:t>
-            </a:r>
-            <a:r>
-              <a:rPr kumimoji="1" lang="en-US" altLang="ko-KR" baseline="0" dirty="0" smtClean="0"/>
-              <a:t>.</a:t>
-            </a:r>
-            <a:r>
-              <a:rPr kumimoji="1" lang="ko-KR" altLang="en-US" baseline="0" dirty="0" smtClean="0"/>
-              <a:t> 이 그래프에서 체크해 볼 수 있는 부분은 </a:t>
-            </a:r>
-            <a:r>
-              <a:rPr kumimoji="1" lang="en-US" altLang="ko-KR" baseline="0" dirty="0" smtClean="0"/>
-              <a:t>1990</a:t>
-            </a:r>
-            <a:r>
-              <a:rPr kumimoji="1" lang="ko-KR" altLang="en-US" baseline="0" dirty="0" smtClean="0"/>
-              <a:t>년도 이전에는 </a:t>
-            </a:r>
-            <a:r>
-              <a:rPr kumimoji="1" lang="en-US" altLang="ko-KR" baseline="0" dirty="0" smtClean="0"/>
-              <a:t>Acadia National Park</a:t>
-            </a:r>
-            <a:r>
-              <a:rPr kumimoji="1" lang="ko-KR" altLang="en-US" baseline="0" dirty="0" smtClean="0"/>
-              <a:t>가 그랜드 캐년과 차이를 가지고 방문자수 </a:t>
-            </a:r>
-            <a:r>
-              <a:rPr kumimoji="1" lang="en-US" altLang="ko-KR" baseline="0" dirty="0" smtClean="0"/>
-              <a:t>2</a:t>
-            </a:r>
-            <a:r>
-              <a:rPr kumimoji="1" lang="ko-KR" altLang="en-US" baseline="0" dirty="0" smtClean="0"/>
-              <a:t>위였으나</a:t>
-            </a:r>
-            <a:r>
-              <a:rPr kumimoji="1" lang="en-US" altLang="ko-KR" baseline="0" dirty="0" smtClean="0"/>
-              <a:t>,</a:t>
-            </a:r>
-            <a:r>
-              <a:rPr kumimoji="1" lang="ko-KR" altLang="en-US" baseline="0" dirty="0" smtClean="0"/>
-              <a:t> </a:t>
-            </a:r>
-            <a:r>
-              <a:rPr kumimoji="1" lang="en-US" altLang="ko-KR" baseline="0" dirty="0" smtClean="0"/>
-              <a:t>1990</a:t>
-            </a:r>
-            <a:r>
-              <a:rPr kumimoji="1" lang="ko-KR" altLang="en-US" baseline="0" dirty="0" smtClean="0"/>
-              <a:t>년도 큰 격차를 가지고 </a:t>
-            </a:r>
-            <a:r>
-              <a:rPr kumimoji="1" lang="en-US" altLang="ko-KR" baseline="0" dirty="0" smtClean="0"/>
-              <a:t>2</a:t>
-            </a:r>
-            <a:r>
-              <a:rPr kumimoji="1" lang="ko-KR" altLang="en-US" baseline="0" dirty="0" smtClean="0"/>
-              <a:t>위에서 </a:t>
-            </a:r>
-            <a:r>
-              <a:rPr kumimoji="1" lang="en-US" altLang="ko-KR" baseline="0" dirty="0" smtClean="0"/>
-              <a:t>6</a:t>
-            </a:r>
-            <a:r>
-              <a:rPr kumimoji="1" lang="ko-KR" altLang="en-US" baseline="0" dirty="0" smtClean="0"/>
-              <a:t>위로 떨어진 점을 확인해 볼 수 있다</a:t>
-            </a:r>
-            <a:r>
-              <a:rPr kumimoji="1" lang="en-US" altLang="ko-KR" baseline="0" dirty="0" smtClean="0"/>
-              <a:t>.</a:t>
-            </a:r>
-            <a:r>
-              <a:rPr kumimoji="1" lang="ko-KR" altLang="en-US" baseline="0" dirty="0" smtClean="0"/>
-              <a:t> </a:t>
-            </a:r>
             <a:endParaRPr kumimoji="1" lang="en-US" altLang="ko-KR" dirty="0" smtClean="0"/>
           </a:p>
         </p:txBody>
@@ -2212,94 +1123,6 @@
           <a:bodyPr/>
           <a:lstStyle/>
           <a:p>
-            <a:r>
-              <a:rPr kumimoji="1" lang="ko-KR" altLang="en-US" dirty="0" smtClean="0"/>
-              <a:t>이 그래프는 월별 방문자수를 나타낸 그래프 이다</a:t>
-            </a:r>
-            <a:r>
-              <a:rPr kumimoji="1" lang="en-US" altLang="ko-KR" dirty="0" smtClean="0"/>
-              <a:t>.</a:t>
-            </a:r>
-            <a:r>
-              <a:rPr kumimoji="1" lang="ko-KR" altLang="en-US" dirty="0" smtClean="0"/>
-              <a:t> 모든 국립공원의 </a:t>
-            </a:r>
-            <a:r>
-              <a:rPr kumimoji="1" lang="en-US" altLang="ko-KR" dirty="0" smtClean="0"/>
-              <a:t>6</a:t>
-            </a:r>
-            <a:r>
-              <a:rPr kumimoji="1" lang="ko-KR" altLang="en-US" dirty="0" smtClean="0"/>
-              <a:t>월부터 </a:t>
-            </a:r>
-            <a:r>
-              <a:rPr kumimoji="1" lang="en-US" altLang="ko-KR" dirty="0" smtClean="0"/>
-              <a:t>9</a:t>
-            </a:r>
-            <a:r>
-              <a:rPr kumimoji="1" lang="ko-KR" altLang="en-US" dirty="0" smtClean="0"/>
-              <a:t>월까지는 방문자수가 많은 달이며 공원마다 차이는 있지만 보통 </a:t>
-            </a:r>
-            <a:r>
-              <a:rPr kumimoji="1" lang="en-US" altLang="ko-KR" dirty="0" smtClean="0"/>
-              <a:t>7</a:t>
-            </a:r>
-            <a:r>
-              <a:rPr kumimoji="1" lang="ko-KR" altLang="en-US" dirty="0" smtClean="0"/>
-              <a:t>월이 가장 많이 방문하는</a:t>
-            </a:r>
-            <a:r>
-              <a:rPr kumimoji="1" lang="ko-KR" altLang="en-US" baseline="0" dirty="0" smtClean="0"/>
-              <a:t> 달이다</a:t>
-            </a:r>
-            <a:r>
-              <a:rPr kumimoji="1" lang="en-US" altLang="ko-KR" baseline="0" dirty="0" smtClean="0"/>
-              <a:t>.</a:t>
-            </a:r>
-            <a:r>
-              <a:rPr kumimoji="1" lang="ko-KR" altLang="en-US" baseline="0" dirty="0" smtClean="0"/>
-              <a:t>사람이 많은 것을 좋아하지 않는다면 </a:t>
-            </a:r>
-            <a:r>
-              <a:rPr kumimoji="1" lang="en-US" altLang="ko-KR" baseline="0" dirty="0" smtClean="0"/>
-              <a:t>6</a:t>
-            </a:r>
-            <a:r>
-              <a:rPr kumimoji="1" lang="ko-KR" altLang="en-US" baseline="0" dirty="0" smtClean="0"/>
-              <a:t>월부터 </a:t>
-            </a:r>
-            <a:r>
-              <a:rPr kumimoji="1" lang="en-US" altLang="ko-KR" baseline="0" dirty="0" smtClean="0"/>
-              <a:t>9</a:t>
-            </a:r>
-            <a:r>
-              <a:rPr kumimoji="1" lang="ko-KR" altLang="en-US" baseline="0" dirty="0" smtClean="0"/>
-              <a:t>월을 피하고 날씨가 좋은 </a:t>
-            </a:r>
-            <a:r>
-              <a:rPr kumimoji="1" lang="en-US" altLang="ko-KR" baseline="0" dirty="0" smtClean="0"/>
-              <a:t>5</a:t>
-            </a:r>
-            <a:r>
-              <a:rPr kumimoji="1" lang="ko-KR" altLang="en-US" baseline="0" dirty="0" smtClean="0"/>
-              <a:t>월이나 </a:t>
-            </a:r>
-            <a:r>
-              <a:rPr kumimoji="1" lang="en-US" altLang="ko-KR" baseline="0" dirty="0" smtClean="0"/>
-              <a:t>10</a:t>
-            </a:r>
-            <a:r>
-              <a:rPr kumimoji="1" lang="ko-KR" altLang="en-US" baseline="0" dirty="0" smtClean="0"/>
-              <a:t>월에 가는 것이 좋다</a:t>
-            </a:r>
-            <a:r>
-              <a:rPr kumimoji="1" lang="en-US" altLang="ko-KR" baseline="0" dirty="0" smtClean="0"/>
-              <a:t>.</a:t>
-            </a:r>
-            <a:r>
-              <a:rPr kumimoji="1" lang="ko-KR" altLang="en-US" baseline="0" dirty="0" smtClean="0"/>
-              <a:t> </a:t>
-            </a:r>
             <a:endParaRPr kumimoji="1" lang="en-US" altLang="ko-KR" dirty="0" smtClean="0"/>
           </a:p>
         </p:txBody>
@@ -2384,167 +1207,6 @@
           <a:bodyPr/>
           <a:lstStyle/>
           <a:p>
-            <a:r>
-              <a:rPr kumimoji="1" lang="ko-KR" altLang="en-US" dirty="0" smtClean="0"/>
-              <a:t>이 그래프를 보면 입장료를 크게 </a:t>
-            </a:r>
-            <a:r>
-              <a:rPr kumimoji="1" lang="en-US" altLang="ko-KR" dirty="0" smtClean="0"/>
-              <a:t>3</a:t>
-            </a:r>
-            <a:r>
-              <a:rPr kumimoji="1" lang="ko-KR" altLang="en-US" dirty="0" smtClean="0"/>
-              <a:t>그룹으로 나눌 수 있다</a:t>
-            </a:r>
-            <a:r>
-              <a:rPr kumimoji="1" lang="en-US" altLang="ko-KR" dirty="0" smtClean="0"/>
-              <a:t>.</a:t>
-            </a:r>
-            <a:r>
-              <a:rPr kumimoji="1" lang="ko-KR" altLang="en-US" dirty="0" smtClean="0"/>
-              <a:t> </a:t>
-            </a:r>
-            <a:endParaRPr kumimoji="1" lang="en-US" altLang="ko-KR" dirty="0" smtClean="0"/>
-          </a:p>
-          <a:p>
-            <a:r>
-              <a:rPr kumimoji="1" lang="ko-KR" altLang="en-US" dirty="0" smtClean="0"/>
-              <a:t>입장료가 </a:t>
-            </a:r>
-            <a:r>
-              <a:rPr kumimoji="1" lang="en-US" altLang="ko-KR" dirty="0" smtClean="0"/>
-              <a:t>15</a:t>
-            </a:r>
-            <a:r>
-              <a:rPr kumimoji="1" lang="ko-KR" altLang="en-US" dirty="0" smtClean="0"/>
-              <a:t>인 공원은 </a:t>
-            </a:r>
-            <a:r>
-              <a:rPr kumimoji="1" lang="en-US" altLang="ko-KR" dirty="0" smtClean="0"/>
-              <a:t>Olympic</a:t>
-            </a:r>
-            <a:r>
-              <a:rPr kumimoji="1" lang="en-US" altLang="ko-KR" baseline="0" dirty="0" smtClean="0"/>
-              <a:t> NP </a:t>
-            </a:r>
-            <a:r>
-              <a:rPr kumimoji="1" lang="ko-KR" altLang="en-US" baseline="0" dirty="0" smtClean="0"/>
-              <a:t>와 </a:t>
-            </a:r>
-            <a:r>
-              <a:rPr kumimoji="1" lang="en-US" altLang="ko-KR" baseline="0" dirty="0" smtClean="0"/>
-              <a:t>Acadia NP</a:t>
-            </a:r>
-            <a:r>
-              <a:rPr kumimoji="1" lang="ko-KR" altLang="en-US" baseline="0" dirty="0" smtClean="0"/>
-              <a:t>가 </a:t>
-            </a:r>
-            <a:r>
-              <a:rPr kumimoji="1" lang="en-US" altLang="ko-KR" baseline="0" dirty="0" smtClean="0"/>
-              <a:t>2</a:t>
-            </a:r>
-            <a:r>
-              <a:rPr kumimoji="1" lang="ko-KR" altLang="en-US" baseline="0" dirty="0" smtClean="0"/>
-              <a:t>개가 있으며</a:t>
-            </a:r>
-            <a:r>
-              <a:rPr kumimoji="1" lang="en-US" altLang="ko-KR" baseline="0" dirty="0" smtClean="0"/>
-              <a:t>,</a:t>
-            </a:r>
-            <a:r>
-              <a:rPr kumimoji="1" lang="ko-KR" altLang="en-US" baseline="0" dirty="0" smtClean="0"/>
-              <a:t> 입장료가 </a:t>
-            </a:r>
-            <a:r>
-              <a:rPr kumimoji="1" lang="en-US" altLang="ko-KR" baseline="0" dirty="0" smtClean="0"/>
-              <a:t>20</a:t>
-            </a:r>
-            <a:r>
-              <a:rPr kumimoji="1" lang="ko-KR" altLang="en-US" baseline="0" dirty="0" smtClean="0"/>
-              <a:t>인 공원은 </a:t>
-            </a:r>
-            <a:r>
-              <a:rPr kumimoji="1" lang="en-US" altLang="ko-KR" baseline="0" dirty="0" smtClean="0"/>
-              <a:t>7</a:t>
-            </a:r>
-            <a:r>
-              <a:rPr kumimoji="1" lang="ko-KR" altLang="en-US" baseline="0" dirty="0" smtClean="0"/>
-              <a:t>개이다</a:t>
-            </a:r>
-            <a:r>
-              <a:rPr kumimoji="1" lang="en-US" altLang="ko-KR" baseline="0" dirty="0" smtClean="0"/>
-              <a:t>.</a:t>
-            </a:r>
-            <a:r>
-              <a:rPr kumimoji="1" lang="ko-KR" altLang="en-US" baseline="0" dirty="0" smtClean="0"/>
-              <a:t>  </a:t>
-            </a:r>
-            <a:endParaRPr kumimoji="1" lang="en-US" altLang="ko-KR" baseline="0" dirty="0" smtClean="0"/>
-          </a:p>
-          <a:p>
-            <a:r>
-              <a:rPr kumimoji="1" lang="ko-KR" altLang="en-US" baseline="0" dirty="0" smtClean="0"/>
-              <a:t>그리고 방문자수가 </a:t>
-            </a:r>
-            <a:r>
-              <a:rPr kumimoji="1" lang="en-US" altLang="ko-KR" baseline="0" dirty="0" smtClean="0"/>
-              <a:t>1</a:t>
-            </a:r>
-            <a:r>
-              <a:rPr kumimoji="1" lang="ko-KR" altLang="en-US" baseline="0" dirty="0" smtClean="0"/>
-              <a:t>위인 </a:t>
-            </a:r>
-            <a:r>
-              <a:rPr kumimoji="1" lang="en-US" altLang="ko-KR" baseline="0" dirty="0" smtClean="0"/>
-              <a:t>great Smoky </a:t>
-            </a:r>
-            <a:r>
-              <a:rPr kumimoji="1" lang="en-US" altLang="ko-KR" baseline="0" dirty="0" err="1" smtClean="0"/>
-              <a:t>Mountatins</a:t>
-            </a:r>
-            <a:r>
-              <a:rPr kumimoji="1" lang="ko-KR" altLang="en-US" baseline="0" dirty="0" smtClean="0"/>
-              <a:t>은 입장료가 </a:t>
-            </a:r>
-            <a:r>
-              <a:rPr kumimoji="1" lang="en-US" altLang="ko-KR" baseline="0" dirty="0" smtClean="0"/>
-              <a:t>free</a:t>
-            </a:r>
-            <a:r>
-              <a:rPr kumimoji="1" lang="ko-KR" altLang="en-US" baseline="0" dirty="0" smtClean="0"/>
-              <a:t>이다</a:t>
-            </a:r>
-            <a:r>
-              <a:rPr kumimoji="1" lang="en-US" altLang="ko-KR" baseline="0" dirty="0" smtClean="0"/>
-              <a:t>.</a:t>
-            </a:r>
-            <a:r>
-              <a:rPr kumimoji="1" lang="ko-KR" altLang="en-US" baseline="0" dirty="0" smtClean="0"/>
-              <a:t> </a:t>
-            </a:r>
-            <a:endParaRPr kumimoji="1" lang="en-US" altLang="ko-KR" baseline="0" dirty="0" smtClean="0"/>
-          </a:p>
-          <a:p>
-            <a:r>
-              <a:rPr kumimoji="1" lang="ko-KR" altLang="en-US" baseline="0" dirty="0" smtClean="0"/>
-              <a:t>그렇다면</a:t>
-            </a:r>
-            <a:r>
-              <a:rPr kumimoji="1" lang="en-US" altLang="ko-KR" baseline="0" dirty="0" smtClean="0"/>
-              <a:t>..</a:t>
-            </a:r>
-            <a:r>
-              <a:rPr kumimoji="1" lang="ko-KR" altLang="en-US" baseline="0" dirty="0" smtClean="0"/>
-              <a:t> 방문자수와 입장료간의 상관관계가 있을까</a:t>
-            </a:r>
-            <a:r>
-              <a:rPr kumimoji="1" lang="en-US" altLang="ko-KR" baseline="0" dirty="0" smtClean="0"/>
-              <a:t>?</a:t>
-            </a:r>
-            <a:r>
-              <a:rPr kumimoji="1" lang="ko-KR" altLang="en-US" baseline="0" dirty="0" smtClean="0"/>
-              <a:t> </a:t>
-            </a:r>
             <a:endParaRPr kumimoji="1" lang="en-US" altLang="ko-KR" baseline="0" dirty="0" smtClean="0"/>
           </a:p>
         </p:txBody>
@@ -2629,69 +1291,6 @@
           <a:bodyPr/>
           <a:lstStyle/>
           <a:p>
-            <a:r>
-              <a:rPr kumimoji="1" lang="ko-KR" altLang="en-US" dirty="0" smtClean="0"/>
-              <a:t>이 그래프는 </a:t>
-            </a:r>
-            <a:r>
-              <a:rPr kumimoji="1" lang="en-US" altLang="ko-KR" dirty="0" smtClean="0"/>
-              <a:t>32</a:t>
-            </a:r>
-            <a:r>
-              <a:rPr kumimoji="1" lang="ko-KR" altLang="en-US" dirty="0" smtClean="0"/>
-              <a:t>개의 국립공원의 방문 자수와 입장료간의 상관관계를 나타낸 그래프이다</a:t>
-            </a:r>
-            <a:r>
-              <a:rPr kumimoji="1" lang="en-US" altLang="ko-KR" dirty="0" smtClean="0"/>
-              <a:t>.</a:t>
-            </a:r>
-            <a:r>
-              <a:rPr kumimoji="1" lang="ko-KR" altLang="en-US" dirty="0" smtClean="0"/>
-              <a:t> 데이터를 분석하기 전에는 입장료가 저렴하면 방문자수가 많은 거라고 예상했지만 실제 데이터는 그렇지 않았다</a:t>
-            </a:r>
-            <a:r>
-              <a:rPr kumimoji="1" lang="en-US" altLang="ko-KR" dirty="0" smtClean="0"/>
-              <a:t>.</a:t>
-            </a:r>
-            <a:r>
-              <a:rPr kumimoji="1" lang="ko-KR" altLang="en-US" dirty="0" smtClean="0"/>
-              <a:t> </a:t>
-            </a:r>
-            <a:endParaRPr kumimoji="1" lang="en-US" altLang="ko-KR" dirty="0" smtClean="0"/>
-          </a:p>
-          <a:p>
-            <a:r>
-              <a:rPr kumimoji="1" lang="ko-KR" altLang="en-US" dirty="0" smtClean="0"/>
-              <a:t>우선 방문자수 </a:t>
-            </a:r>
-            <a:r>
-              <a:rPr kumimoji="1" lang="en-US" altLang="ko-KR" dirty="0" smtClean="0"/>
-              <a:t>1</a:t>
-            </a:r>
-            <a:r>
-              <a:rPr kumimoji="1" lang="ko-KR" altLang="en-US" dirty="0" smtClean="0"/>
-              <a:t>위인 </a:t>
-            </a:r>
-            <a:r>
-              <a:rPr kumimoji="1" lang="en-US" altLang="ko-KR" dirty="0" smtClean="0"/>
-              <a:t>Great</a:t>
-            </a:r>
-            <a:r>
-              <a:rPr kumimoji="1" lang="en-US" altLang="ko-KR" baseline="0" dirty="0" smtClean="0"/>
-              <a:t> Smoky Mountain</a:t>
-            </a:r>
-            <a:r>
-              <a:rPr kumimoji="1" lang="ko-KR" altLang="en-US" baseline="0" dirty="0" smtClean="0"/>
-              <a:t>은 입장료가 </a:t>
-            </a:r>
-            <a:r>
-              <a:rPr kumimoji="1" lang="en-US" altLang="ko-KR" baseline="0" dirty="0" smtClean="0"/>
-              <a:t>free </a:t>
-            </a:r>
-            <a:r>
-              <a:rPr kumimoji="1" lang="ko-KR" altLang="en-US" baseline="0" dirty="0" smtClean="0"/>
-              <a:t>이고 </a:t>
-            </a:r>
             <a:endParaRPr kumimoji="1" lang="ko-KR" altLang="en-US" dirty="0"/>
           </a:p>
         </p:txBody>
@@ -2863,7 +1462,7 @@
           <a:p>
             <a:fld id="{2807DAA0-6556-4C50-99B9-61BC68FDEDFF}" type="datetimeFigureOut">
               <a:rPr lang="ko-KR" altLang="en-US" smtClean="0"/>
-              <a:t>2019. 7. 21.</a:t>
+              <a:t>2019. 7. 22.</a:t>
             </a:fld>
             <a:endParaRPr lang="ko-KR" altLang="en-US"/>
           </a:p>
@@ -3033,7 +1632,7 @@
           <a:p>
             <a:fld id="{2807DAA0-6556-4C50-99B9-61BC68FDEDFF}" type="datetimeFigureOut">
               <a:rPr lang="ko-KR" altLang="en-US" smtClean="0"/>
-              <a:t>2019. 7. 21.</a:t>
+              <a:t>2019. 7. 22.</a:t>
             </a:fld>
             <a:endParaRPr lang="ko-KR" altLang="en-US"/>
           </a:p>
@@ -3213,7 +1812,7 @@
           <a:p>
             <a:fld id="{2807DAA0-6556-4C50-99B9-61BC68FDEDFF}" type="datetimeFigureOut">
               <a:rPr lang="ko-KR" altLang="en-US" smtClean="0"/>
-              <a:t>2019. 7. 21.</a:t>
+              <a:t>2019. 7. 22.</a:t>
             </a:fld>
             <a:endParaRPr lang="ko-KR" altLang="en-US"/>
           </a:p>
@@ -3383,7 +1982,7 @@
           <a:p>
             <a:fld id="{2807DAA0-6556-4C50-99B9-61BC68FDEDFF}" type="datetimeFigureOut">
               <a:rPr lang="ko-KR" altLang="en-US" smtClean="0"/>
-              <a:t>2019. 7. 21.</a:t>
+              <a:t>2019. 7. 22.</a:t>
             </a:fld>
             <a:endParaRPr lang="ko-KR" altLang="en-US"/>
           </a:p>
@@ -3629,7 +2228,7 @@
           <a:p>
             <a:fld id="{2807DAA0-6556-4C50-99B9-61BC68FDEDFF}" type="datetimeFigureOut">
               <a:rPr lang="ko-KR" altLang="en-US" smtClean="0"/>
-              <a:t>2019. 7. 21.</a:t>
+              <a:t>2019. 7. 22.</a:t>
             </a:fld>
             <a:endParaRPr lang="ko-KR" altLang="en-US"/>
           </a:p>
@@ -3861,7 +2460,7 @@
           <a:p>
             <a:fld id="{2807DAA0-6556-4C50-99B9-61BC68FDEDFF}" type="datetimeFigureOut">
               <a:rPr lang="ko-KR" altLang="en-US" smtClean="0"/>
-              <a:t>2019. 7. 21.</a:t>
+              <a:t>2019. 7. 22.</a:t>
             </a:fld>
             <a:endParaRPr lang="ko-KR" altLang="en-US"/>
           </a:p>
@@ -4228,7 +2827,7 @@
           <a:p>
             <a:fld id="{2807DAA0-6556-4C50-99B9-61BC68FDEDFF}" type="datetimeFigureOut">
               <a:rPr lang="ko-KR" altLang="en-US" smtClean="0"/>
-              <a:t>2019. 7. 21.</a:t>
+              <a:t>2019. 7. 22.</a:t>
             </a:fld>
             <a:endParaRPr lang="ko-KR" altLang="en-US"/>
           </a:p>
@@ -4346,7 +2945,7 @@
           <a:p>
             <a:fld id="{2807DAA0-6556-4C50-99B9-61BC68FDEDFF}" type="datetimeFigureOut">
               <a:rPr lang="ko-KR" altLang="en-US" smtClean="0"/>
-              <a:t>2019. 7. 21.</a:t>
+              <a:t>2019. 7. 22.</a:t>
             </a:fld>
             <a:endParaRPr lang="ko-KR" altLang="en-US"/>
           </a:p>
@@ -4441,7 +3040,7 @@
           <a:p>
             <a:fld id="{2807DAA0-6556-4C50-99B9-61BC68FDEDFF}" type="datetimeFigureOut">
               <a:rPr lang="ko-KR" altLang="en-US" smtClean="0"/>
-              <a:t>2019. 7. 21.</a:t>
+              <a:t>2019. 7. 22.</a:t>
             </a:fld>
             <a:endParaRPr lang="ko-KR" altLang="en-US"/>
           </a:p>
@@ -4718,7 +3317,7 @@
           <a:p>
             <a:fld id="{2807DAA0-6556-4C50-99B9-61BC68FDEDFF}" type="datetimeFigureOut">
               <a:rPr lang="ko-KR" altLang="en-US" smtClean="0"/>
-              <a:t>2019. 7. 21.</a:t>
+              <a:t>2019. 7. 22.</a:t>
             </a:fld>
             <a:endParaRPr lang="ko-KR" altLang="en-US"/>
           </a:p>
@@ -4971,7 +3570,7 @@
           <a:p>
             <a:fld id="{2807DAA0-6556-4C50-99B9-61BC68FDEDFF}" type="datetimeFigureOut">
               <a:rPr lang="ko-KR" altLang="en-US" smtClean="0"/>
-              <a:t>2019. 7. 21.</a:t>
+              <a:t>2019. 7. 22.</a:t>
             </a:fld>
             <a:endParaRPr lang="ko-KR" altLang="en-US"/>
           </a:p>
@@ -5187,7 +3786,7 @@
           <a:p>
             <a:fld id="{2807DAA0-6556-4C50-99B9-61BC68FDEDFF}" type="datetimeFigureOut">
               <a:rPr lang="ko-KR" altLang="en-US" smtClean="0"/>
-              <a:t>2019. 7. 21.</a:t>
+              <a:t>2019. 7. 22.</a:t>
             </a:fld>
             <a:endParaRPr lang="ko-KR" altLang="en-US"/>
           </a:p>
@@ -7085,14 +5684,6 @@
               </a:rPr>
               <a:t>and has the largest number of visitors. </a:t>
             </a:r>
-            <a:r>
-              <a:rPr lang="en-US" altLang="ko-KR" sz="1600" dirty="0">
-                <a:latin typeface="Verdana" charset="0"/>
-                <a:ea typeface="Verdana" charset="0"/>
-                <a:cs typeface="Verdana" charset="0"/>
-              </a:rPr>
-              <a:t/>
-            </a:r>
             <a:br>
               <a:rPr lang="en-US" altLang="ko-KR" sz="1600" dirty="0">
                 <a:latin typeface="Verdana" charset="0"/>
@@ -7791,6 +6382,13 @@
   <p:clrMapOvr>
     <a:masterClrMapping/>
   </p:clrMapOvr>
+  <p:timing>
+    <p:tnLst>
+      <p:par>
+        <p:cTn id="1" dur="indefinite" restart="never" nodeType="tmRoot"/>
+      </p:par>
+    </p:tnLst>
+  </p:timing>
 </p:sld>
 </file>
 
@@ -7863,7 +6461,7 @@
         </p:nvSpPr>
         <p:spPr>
           <a:xfrm>
-            <a:off x="5389123" y="1062497"/>
+            <a:off x="5389123" y="1214897"/>
             <a:ext cx="673775" cy="400110"/>
           </a:xfrm>
           <a:prstGeom prst="rect">
@@ -7907,7 +6505,7 @@
         </p:nvSpPr>
         <p:spPr>
           <a:xfrm>
-            <a:off x="5389123" y="2502191"/>
+            <a:off x="5389123" y="2451391"/>
             <a:ext cx="642834" cy="400110"/>
           </a:xfrm>
           <a:prstGeom prst="rect">
@@ -7951,7 +6549,7 @@
         </p:nvSpPr>
         <p:spPr>
           <a:xfrm>
-            <a:off x="5389123" y="3941885"/>
+            <a:off x="5389123" y="3764085"/>
             <a:ext cx="642834" cy="400110"/>
           </a:xfrm>
           <a:prstGeom prst="rect">
@@ -7995,7 +6593,7 @@
         </p:nvSpPr>
         <p:spPr>
           <a:xfrm>
-            <a:off x="5389123" y="5381579"/>
+            <a:off x="5389123" y="5127579"/>
             <a:ext cx="642834" cy="400110"/>
           </a:xfrm>
           <a:prstGeom prst="rect">
@@ -8039,8 +6637,8 @@
         </p:nvSpPr>
         <p:spPr>
           <a:xfrm>
-            <a:off x="6062898" y="1062497"/>
-            <a:ext cx="3043002" cy="646331"/>
+            <a:off x="6062898" y="1214897"/>
+            <a:ext cx="3043002" cy="707886"/>
           </a:xfrm>
           <a:prstGeom prst="rect">
             <a:avLst/>
@@ -8054,21 +6652,21 @@
           <a:lstStyle/>
           <a:p>
             <a:r>
-              <a:rPr lang="en-US" altLang="ko-KR" dirty="0">
+              <a:rPr lang="en-US" altLang="ko-KR" sz="2000" dirty="0">
                 <a:latin typeface="Verdana" charset="0"/>
                 <a:ea typeface="Verdana" charset="0"/>
                 <a:cs typeface="Verdana" charset="0"/>
               </a:rPr>
               <a:t>Motivation &amp; Question</a:t>
             </a:r>
-            <a:endParaRPr lang="ko-KR" altLang="en-US" dirty="0">
+            <a:endParaRPr lang="ko-KR" altLang="en-US" sz="2000" dirty="0">
               <a:latin typeface="Verdana" charset="0"/>
               <a:ea typeface="Verdana" charset="0"/>
               <a:cs typeface="Verdana" charset="0"/>
             </a:endParaRPr>
           </a:p>
           <a:p>
-            <a:endParaRPr lang="ko-KR" altLang="en-US" dirty="0">
+            <a:endParaRPr lang="ko-KR" altLang="en-US" sz="2000" dirty="0">
               <a:latin typeface="Verdana" charset="0"/>
               <a:ea typeface="Verdana" charset="0"/>
               <a:cs typeface="Verdana" charset="0"/>
@@ -8084,8 +6682,8 @@
         </p:nvSpPr>
         <p:spPr>
           <a:xfrm>
-            <a:off x="6062899" y="2502191"/>
-            <a:ext cx="1784748" cy="369332"/>
+            <a:off x="6062899" y="2451391"/>
+            <a:ext cx="3297000" cy="400110"/>
           </a:xfrm>
           <a:prstGeom prst="rect">
             <a:avLst/>
@@ -8099,14 +6697,14 @@
           <a:lstStyle/>
           <a:p>
             <a:r>
-              <a:rPr lang="en-US" altLang="ko-KR" dirty="0" smtClean="0">
+              <a:rPr lang="en-US" altLang="ko-KR" sz="2000" dirty="0" smtClean="0">
                 <a:latin typeface="Verdana" charset="0"/>
                 <a:ea typeface="Verdana" charset="0"/>
                 <a:cs typeface="Verdana" charset="0"/>
               </a:rPr>
               <a:t>Web Scraping</a:t>
             </a:r>
-            <a:endParaRPr lang="ko-KR" altLang="en-US" dirty="0">
+            <a:endParaRPr lang="ko-KR" altLang="en-US" sz="2000" dirty="0">
               <a:latin typeface="Verdana" charset="0"/>
               <a:ea typeface="Verdana" charset="0"/>
               <a:cs typeface="Verdana" charset="0"/>
@@ -8122,8 +6720,8 @@
         </p:nvSpPr>
         <p:spPr>
           <a:xfrm>
-            <a:off x="6062899" y="3941885"/>
-            <a:ext cx="1784748" cy="369332"/>
+            <a:off x="6062899" y="3764085"/>
+            <a:ext cx="1784748" cy="400110"/>
           </a:xfrm>
           <a:prstGeom prst="rect">
             <a:avLst/>
@@ -8137,14 +6735,14 @@
           <a:lstStyle/>
           <a:p>
             <a:r>
-              <a:rPr lang="en-US" altLang="ko-KR" dirty="0" smtClean="0">
+              <a:rPr lang="en-US" altLang="ko-KR" sz="2000" dirty="0" smtClean="0">
                 <a:latin typeface="Verdana" charset="0"/>
                 <a:ea typeface="Verdana" charset="0"/>
                 <a:cs typeface="Verdana" charset="0"/>
               </a:rPr>
               <a:t>Analysis</a:t>
             </a:r>
-            <a:endParaRPr lang="ko-KR" altLang="en-US" dirty="0">
+            <a:endParaRPr lang="ko-KR" altLang="en-US" sz="2000" dirty="0">
               <a:latin typeface="Verdana" charset="0"/>
               <a:ea typeface="Verdana" charset="0"/>
               <a:cs typeface="Verdana" charset="0"/>
@@ -8160,8 +6758,8 @@
         </p:nvSpPr>
         <p:spPr>
           <a:xfrm>
-            <a:off x="6062898" y="5381579"/>
-            <a:ext cx="3297001" cy="646331"/>
+            <a:off x="6062898" y="5127579"/>
+            <a:ext cx="3942493" cy="707886"/>
           </a:xfrm>
           <a:prstGeom prst="rect">
             <a:avLst/>
@@ -8175,7 +6773,7 @@
           <a:lstStyle/>
           <a:p>
             <a:r>
-              <a:rPr lang="en-US" altLang="ko-KR" dirty="0" smtClean="0">
+              <a:rPr lang="en-US" altLang="ko-KR" sz="2000" dirty="0" smtClean="0">
                 <a:latin typeface="Verdana" charset="0"/>
                 <a:ea typeface="Verdana" charset="0"/>
                 <a:cs typeface="Verdana" charset="0"/>
@@ -8184,7 +6782,7 @@
             </a:r>
           </a:p>
           <a:p>
-            <a:endParaRPr lang="ko-KR" altLang="en-US" dirty="0">
+            <a:endParaRPr lang="ko-KR" altLang="en-US" sz="2000" dirty="0">
               <a:latin typeface="Verdana" charset="0"/>
               <a:ea typeface="Verdana" charset="0"/>
               <a:cs typeface="Verdana" charset="0"/>
@@ -8986,7 +7584,7 @@
         </p:nvSpPr>
         <p:spPr>
           <a:xfrm>
-            <a:off x="1173897" y="1390054"/>
+            <a:off x="892289" y="1533066"/>
             <a:ext cx="4057758" cy="369332"/>
           </a:xfrm>
           <a:prstGeom prst="rect">
@@ -9167,7 +7765,7 @@
         </p:nvGrpSpPr>
         <p:grpSpPr>
           <a:xfrm>
-            <a:off x="1333146" y="1952865"/>
+            <a:off x="1439162" y="2098637"/>
             <a:ext cx="3016428" cy="4325055"/>
             <a:chOff x="1555569" y="1792225"/>
             <a:chExt cx="3016428" cy="4325055"/>
@@ -9265,340 +7863,6 @@
           </p:spPr>
         </p:pic>
       </p:grpSp>
-      <p:grpSp>
-        <p:nvGrpSpPr>
-          <p:cNvPr id="58" name="Group 4"/>
-          <p:cNvGrpSpPr>
-            <a:grpSpLocks noChangeAspect="1"/>
-          </p:cNvGrpSpPr>
-          <p:nvPr/>
-        </p:nvGrpSpPr>
-        <p:grpSpPr bwMode="auto">
-          <a:xfrm rot="20629952">
-            <a:off x="5601015" y="6054000"/>
-            <a:ext cx="479425" cy="492125"/>
-            <a:chOff x="1401" y="818"/>
-            <a:chExt cx="302" cy="310"/>
-          </a:xfrm>
-          <a:solidFill>
-            <a:srgbClr val="97B8BF"/>
-          </a:solidFill>
-        </p:grpSpPr>
-        <p:sp>
-          <p:nvSpPr>
-            <p:cNvPr id="59" name="Freeform 6"/>
-            <p:cNvSpPr>
-              <a:spLocks/>
-            </p:cNvSpPr>
-            <p:nvPr/>
-          </p:nvSpPr>
-          <p:spPr bwMode="auto">
-            <a:xfrm>
-              <a:off x="1401" y="818"/>
-              <a:ext cx="302" cy="170"/>
-            </a:xfrm>
-            <a:custGeom>
-              <a:avLst/>
-              <a:gdLst>
-                <a:gd name="T0" fmla="*/ 1661 w 3322"/>
-                <a:gd name="T1" fmla="*/ 0 h 1869"/>
-                <a:gd name="T2" fmla="*/ 3322 w 3322"/>
-                <a:gd name="T3" fmla="*/ 932 h 1869"/>
-                <a:gd name="T4" fmla="*/ 1661 w 3322"/>
-                <a:gd name="T5" fmla="*/ 1869 h 1869"/>
-                <a:gd name="T6" fmla="*/ 0 w 3322"/>
-                <a:gd name="T7" fmla="*/ 932 h 1869"/>
-                <a:gd name="T8" fmla="*/ 1661 w 3322"/>
-                <a:gd name="T9" fmla="*/ 0 h 1869"/>
-              </a:gdLst>
-              <a:ahLst/>
-              <a:cxnLst>
-                <a:cxn ang="0">
-                  <a:pos x="T0" y="T1"/>
-                </a:cxn>
-                <a:cxn ang="0">
-                  <a:pos x="T2" y="T3"/>
-                </a:cxn>
-                <a:cxn ang="0">
-                  <a:pos x="T4" y="T5"/>
-                </a:cxn>
-                <a:cxn ang="0">
-                  <a:pos x="T6" y="T7"/>
-                </a:cxn>
-                <a:cxn ang="0">
-                  <a:pos x="T8" y="T9"/>
-                </a:cxn>
-              </a:cxnLst>
-              <a:rect l="0" t="0" r="r" b="b"/>
-              <a:pathLst>
-                <a:path w="3322" h="1869">
-                  <a:moveTo>
-                    <a:pt x="1661" y="0"/>
-                  </a:moveTo>
-                  <a:lnTo>
-                    <a:pt x="3322" y="932"/>
-                  </a:lnTo>
-                  <a:lnTo>
-                    <a:pt x="1661" y="1869"/>
-                  </a:lnTo>
-                  <a:lnTo>
-                    <a:pt x="0" y="932"/>
-                  </a:lnTo>
-                  <a:lnTo>
-                    <a:pt x="1661" y="0"/>
-                  </a:lnTo>
-                  <a:close/>
-                </a:path>
-              </a:pathLst>
-            </a:custGeom>
-            <a:grpFill/>
-            <a:ln w="0">
-              <a:solidFill>
-                <a:srgbClr val="97B8BF"/>
-              </a:solidFill>
-              <a:prstDash val="solid"/>
-              <a:round/>
-              <a:headEnd/>
-              <a:tailEnd/>
-            </a:ln>
-          </p:spPr>
-          <p:txBody>
-            <a:bodyPr vert="horz" wrap="square" lIns="91440" tIns="45720" rIns="91440" bIns="45720" numCol="1" anchor="t" anchorCtr="0" compatLnSpc="1">
-              <a:prstTxWarp prst="textNoShape">
-                <a:avLst/>
-              </a:prstTxWarp>
-            </a:bodyPr>
-            <a:lstStyle/>
-            <a:p>
-              <a:endParaRPr lang="ko-KR" altLang="en-US">
-                <a:latin typeface="Verdana" charset="0"/>
-                <a:ea typeface="Verdana" charset="0"/>
-                <a:cs typeface="Verdana" charset="0"/>
-              </a:endParaRPr>
-            </a:p>
-          </p:txBody>
-        </p:sp>
-        <p:sp>
-          <p:nvSpPr>
-            <p:cNvPr id="60" name="Freeform 7"/>
-            <p:cNvSpPr>
-              <a:spLocks/>
-            </p:cNvSpPr>
-            <p:nvPr/>
-          </p:nvSpPr>
-          <p:spPr bwMode="auto">
-            <a:xfrm>
-              <a:off x="1401" y="945"/>
-              <a:ext cx="302" cy="113"/>
-            </a:xfrm>
-            <a:custGeom>
-              <a:avLst/>
-              <a:gdLst>
-                <a:gd name="T0" fmla="*/ 541 w 3322"/>
-                <a:gd name="T1" fmla="*/ 0 h 1241"/>
-                <a:gd name="T2" fmla="*/ 1661 w 3322"/>
-                <a:gd name="T3" fmla="*/ 632 h 1241"/>
-                <a:gd name="T4" fmla="*/ 2781 w 3322"/>
-                <a:gd name="T5" fmla="*/ 0 h 1241"/>
-                <a:gd name="T6" fmla="*/ 3322 w 3322"/>
-                <a:gd name="T7" fmla="*/ 303 h 1241"/>
-                <a:gd name="T8" fmla="*/ 1661 w 3322"/>
-                <a:gd name="T9" fmla="*/ 1241 h 1241"/>
-                <a:gd name="T10" fmla="*/ 0 w 3322"/>
-                <a:gd name="T11" fmla="*/ 303 h 1241"/>
-                <a:gd name="T12" fmla="*/ 541 w 3322"/>
-                <a:gd name="T13" fmla="*/ 0 h 1241"/>
-              </a:gdLst>
-              <a:ahLst/>
-              <a:cxnLst>
-                <a:cxn ang="0">
-                  <a:pos x="T0" y="T1"/>
-                </a:cxn>
-                <a:cxn ang="0">
-                  <a:pos x="T2" y="T3"/>
-                </a:cxn>
-                <a:cxn ang="0">
-                  <a:pos x="T4" y="T5"/>
-                </a:cxn>
-                <a:cxn ang="0">
-                  <a:pos x="T6" y="T7"/>
-                </a:cxn>
-                <a:cxn ang="0">
-                  <a:pos x="T8" y="T9"/>
-                </a:cxn>
-                <a:cxn ang="0">
-                  <a:pos x="T10" y="T11"/>
-                </a:cxn>
-                <a:cxn ang="0">
-                  <a:pos x="T12" y="T13"/>
-                </a:cxn>
-              </a:cxnLst>
-              <a:rect l="0" t="0" r="r" b="b"/>
-              <a:pathLst>
-                <a:path w="3322" h="1241">
-                  <a:moveTo>
-                    <a:pt x="541" y="0"/>
-                  </a:moveTo>
-                  <a:lnTo>
-                    <a:pt x="1661" y="632"/>
-                  </a:lnTo>
-                  <a:lnTo>
-                    <a:pt x="2781" y="0"/>
-                  </a:lnTo>
-                  <a:lnTo>
-                    <a:pt x="3322" y="303"/>
-                  </a:lnTo>
-                  <a:lnTo>
-                    <a:pt x="1661" y="1241"/>
-                  </a:lnTo>
-                  <a:lnTo>
-                    <a:pt x="0" y="303"/>
-                  </a:lnTo>
-                  <a:lnTo>
-                    <a:pt x="541" y="0"/>
-                  </a:lnTo>
-                  <a:close/>
-                </a:path>
-              </a:pathLst>
-            </a:custGeom>
-            <a:grpFill/>
-            <a:ln w="0">
-              <a:solidFill>
-                <a:srgbClr val="97B8BF"/>
-              </a:solidFill>
-              <a:prstDash val="solid"/>
-              <a:round/>
-              <a:headEnd/>
-              <a:tailEnd/>
-            </a:ln>
-          </p:spPr>
-          <p:txBody>
-            <a:bodyPr vert="horz" wrap="square" lIns="91440" tIns="45720" rIns="91440" bIns="45720" numCol="1" anchor="t" anchorCtr="0" compatLnSpc="1">
-              <a:prstTxWarp prst="textNoShape">
-                <a:avLst/>
-              </a:prstTxWarp>
-            </a:bodyPr>
-            <a:lstStyle/>
-            <a:p>
-              <a:endParaRPr lang="ko-KR" altLang="en-US">
-                <a:latin typeface="Verdana" charset="0"/>
-                <a:ea typeface="Verdana" charset="0"/>
-                <a:cs typeface="Verdana" charset="0"/>
-              </a:endParaRPr>
-            </a:p>
-          </p:txBody>
-        </p:sp>
-        <p:sp>
-          <p:nvSpPr>
-            <p:cNvPr id="61" name="Freeform 8"/>
-            <p:cNvSpPr>
-              <a:spLocks/>
-            </p:cNvSpPr>
-            <p:nvPr/>
-          </p:nvSpPr>
-          <p:spPr bwMode="auto">
-            <a:xfrm>
-              <a:off x="1401" y="1015"/>
-              <a:ext cx="302" cy="113"/>
-            </a:xfrm>
-            <a:custGeom>
-              <a:avLst/>
-              <a:gdLst>
-                <a:gd name="T0" fmla="*/ 541 w 3322"/>
-                <a:gd name="T1" fmla="*/ 0 h 1239"/>
-                <a:gd name="T2" fmla="*/ 1661 w 3322"/>
-                <a:gd name="T3" fmla="*/ 631 h 1239"/>
-                <a:gd name="T4" fmla="*/ 2781 w 3322"/>
-                <a:gd name="T5" fmla="*/ 0 h 1239"/>
-                <a:gd name="T6" fmla="*/ 3322 w 3322"/>
-                <a:gd name="T7" fmla="*/ 303 h 1239"/>
-                <a:gd name="T8" fmla="*/ 1661 w 3322"/>
-                <a:gd name="T9" fmla="*/ 1239 h 1239"/>
-                <a:gd name="T10" fmla="*/ 0 w 3322"/>
-                <a:gd name="T11" fmla="*/ 303 h 1239"/>
-                <a:gd name="T12" fmla="*/ 541 w 3322"/>
-                <a:gd name="T13" fmla="*/ 0 h 1239"/>
-              </a:gdLst>
-              <a:ahLst/>
-              <a:cxnLst>
-                <a:cxn ang="0">
-                  <a:pos x="T0" y="T1"/>
-                </a:cxn>
-                <a:cxn ang="0">
-                  <a:pos x="T2" y="T3"/>
-                </a:cxn>
-                <a:cxn ang="0">
-                  <a:pos x="T4" y="T5"/>
-                </a:cxn>
-                <a:cxn ang="0">
-                  <a:pos x="T6" y="T7"/>
-                </a:cxn>
-                <a:cxn ang="0">
-                  <a:pos x="T8" y="T9"/>
-                </a:cxn>
-                <a:cxn ang="0">
-                  <a:pos x="T10" y="T11"/>
-                </a:cxn>
-                <a:cxn ang="0">
-                  <a:pos x="T12" y="T13"/>
-                </a:cxn>
-              </a:cxnLst>
-              <a:rect l="0" t="0" r="r" b="b"/>
-              <a:pathLst>
-                <a:path w="3322" h="1239">
-                  <a:moveTo>
-                    <a:pt x="541" y="0"/>
-                  </a:moveTo>
-                  <a:lnTo>
-                    <a:pt x="1661" y="631"/>
-                  </a:lnTo>
-                  <a:lnTo>
-                    <a:pt x="2781" y="0"/>
-                  </a:lnTo>
-                  <a:lnTo>
-                    <a:pt x="3322" y="303"/>
-                  </a:lnTo>
-                  <a:lnTo>
-                    <a:pt x="1661" y="1239"/>
-                  </a:lnTo>
-                  <a:lnTo>
-                    <a:pt x="0" y="303"/>
-                  </a:lnTo>
-                  <a:lnTo>
-                    <a:pt x="541" y="0"/>
-                  </a:lnTo>
-                  <a:close/>
-                </a:path>
-              </a:pathLst>
-            </a:custGeom>
-            <a:grpFill/>
-            <a:ln w="0">
-              <a:solidFill>
-                <a:srgbClr val="97B8BF"/>
-              </a:solidFill>
-              <a:prstDash val="solid"/>
-              <a:round/>
-              <a:headEnd/>
-              <a:tailEnd/>
-            </a:ln>
-          </p:spPr>
-          <p:txBody>
-            <a:bodyPr vert="horz" wrap="square" lIns="91440" tIns="45720" rIns="91440" bIns="45720" numCol="1" anchor="t" anchorCtr="0" compatLnSpc="1">
-              <a:prstTxWarp prst="textNoShape">
-                <a:avLst/>
-              </a:prstTxWarp>
-            </a:bodyPr>
-            <a:lstStyle/>
-            <a:p>
-              <a:endParaRPr lang="ko-KR" altLang="en-US">
-                <a:latin typeface="Verdana" charset="0"/>
-                <a:ea typeface="Verdana" charset="0"/>
-                <a:cs typeface="Verdana" charset="0"/>
-              </a:endParaRPr>
-            </a:p>
-          </p:txBody>
-        </p:sp>
-      </p:grpSp>
       <p:cxnSp>
         <p:nvCxnSpPr>
           <p:cNvPr id="62" name="직선 연결선 35"/>
@@ -9607,8 +7871,8 @@
         </p:nvCxnSpPr>
         <p:spPr>
           <a:xfrm flipH="1">
-            <a:off x="5840728" y="1426941"/>
-            <a:ext cx="23518" cy="4979044"/>
+            <a:off x="6007100" y="1426941"/>
+            <a:ext cx="22246" cy="5253259"/>
           </a:xfrm>
           <a:prstGeom prst="line">
             <a:avLst/>
@@ -9642,8 +7906,8 @@
         </p:nvSpPr>
         <p:spPr>
           <a:xfrm>
-            <a:off x="6449649" y="2114117"/>
-            <a:ext cx="3616050" cy="523220"/>
+            <a:off x="6741748" y="2507817"/>
+            <a:ext cx="4694877" cy="584775"/>
           </a:xfrm>
           <a:prstGeom prst="rect">
             <a:avLst/>
@@ -9657,7 +7921,7 @@
           <a:lstStyle/>
           <a:p>
             <a:r>
-              <a:rPr lang="en-US" altLang="ko-KR" sz="1400" dirty="0" smtClean="0">
+              <a:rPr lang="en-US" altLang="ko-KR" sz="1600" dirty="0" smtClean="0">
                 <a:solidFill>
                   <a:srgbClr val="64818D"/>
                 </a:solidFill>
@@ -9668,7 +7932,7 @@
               <a:t>Q1.</a:t>
             </a:r>
             <a:r>
-              <a:rPr lang="ko-KR" altLang="en-US" sz="1400" dirty="0" smtClean="0">
+              <a:rPr lang="ko-KR" altLang="en-US" sz="1600" dirty="0" smtClean="0">
                 <a:solidFill>
                   <a:srgbClr val="64818D"/>
                 </a:solidFill>
@@ -9679,7 +7943,7 @@
               <a:t> </a:t>
             </a:r>
             <a:r>
-              <a:rPr lang="en-US" altLang="ko-KR" sz="1400" dirty="0">
+              <a:rPr lang="en-US" altLang="ko-KR" sz="1600" dirty="0">
                 <a:latin typeface="Verdana" charset="0"/>
                 <a:ea typeface="Verdana" charset="0"/>
                 <a:cs typeface="Verdana" charset="0"/>
@@ -9687,7 +7951,7 @@
               <a:t>Where is Top10 National Park popular in the United States?</a:t>
             </a:r>
             <a:r>
-              <a:rPr lang="en-US" altLang="ko-KR" sz="1400" dirty="0" smtClean="0">
+              <a:rPr lang="en-US" altLang="ko-KR" sz="1600" dirty="0" smtClean="0">
                 <a:solidFill>
                   <a:srgbClr val="64818D"/>
                 </a:solidFill>
@@ -9697,7 +7961,7 @@
               </a:rPr>
               <a:t> </a:t>
             </a:r>
-            <a:endParaRPr lang="ko-KR" altLang="en-US" sz="1400" dirty="0">
+            <a:endParaRPr lang="ko-KR" altLang="en-US" sz="1600" dirty="0">
               <a:solidFill>
                 <a:srgbClr val="64818D"/>
               </a:solidFill>
@@ -9716,8 +7980,8 @@
         </p:nvSpPr>
         <p:spPr>
           <a:xfrm>
-            <a:off x="6449649" y="3366363"/>
-            <a:ext cx="3773851" cy="523220"/>
+            <a:off x="6741749" y="3760063"/>
+            <a:ext cx="4959921" cy="584775"/>
           </a:xfrm>
           <a:prstGeom prst="rect">
             <a:avLst/>
@@ -9731,7 +7995,7 @@
           <a:lstStyle/>
           <a:p>
             <a:r>
-              <a:rPr lang="en-US" altLang="ko-KR" sz="1400" dirty="0" smtClean="0">
+              <a:rPr lang="en-US" altLang="ko-KR" sz="1600" dirty="0" smtClean="0">
                 <a:solidFill>
                   <a:srgbClr val="64818D"/>
                 </a:solidFill>
@@ -9742,7 +8006,7 @@
               <a:t>Q2. </a:t>
             </a:r>
             <a:r>
-              <a:rPr lang="en-US" altLang="ko-KR" sz="1400" dirty="0">
+              <a:rPr lang="en-US" altLang="ko-KR" sz="1600" dirty="0">
                 <a:latin typeface="Verdana" charset="0"/>
                 <a:ea typeface="Verdana" charset="0"/>
                 <a:cs typeface="Verdana" charset="0"/>
@@ -9750,7 +8014,7 @@
               <a:t>When is a good time to go to the national park?</a:t>
             </a:r>
             <a:r>
-              <a:rPr lang="en-US" altLang="ko-KR" sz="1400" dirty="0" smtClean="0">
+              <a:rPr lang="en-US" altLang="ko-KR" sz="1600" dirty="0" smtClean="0">
                 <a:solidFill>
                   <a:srgbClr val="64818D"/>
                 </a:solidFill>
@@ -9760,7 +8024,7 @@
               </a:rPr>
               <a:t> </a:t>
             </a:r>
-            <a:endParaRPr lang="ko-KR" altLang="en-US" sz="1400" dirty="0">
+            <a:endParaRPr lang="ko-KR" altLang="en-US" sz="1600" dirty="0">
               <a:solidFill>
                 <a:srgbClr val="64818D"/>
               </a:solidFill>
@@ -9779,8 +8043,8 @@
         </p:nvSpPr>
         <p:spPr>
           <a:xfrm>
-            <a:off x="6449649" y="4618609"/>
-            <a:ext cx="4180251" cy="738664"/>
+            <a:off x="6741749" y="5012309"/>
+            <a:ext cx="4959921" cy="830997"/>
           </a:xfrm>
           <a:prstGeom prst="rect">
             <a:avLst/>
@@ -9794,7 +8058,7 @@
           <a:lstStyle/>
           <a:p>
             <a:r>
-              <a:rPr lang="en-US" altLang="ko-KR" sz="1400" dirty="0" smtClean="0">
+              <a:rPr lang="en-US" altLang="ko-KR" sz="1600" dirty="0" smtClean="0">
                 <a:solidFill>
                   <a:srgbClr val="64818D"/>
                 </a:solidFill>
@@ -9805,7 +8069,7 @@
               <a:t>Q3. </a:t>
             </a:r>
             <a:r>
-              <a:rPr lang="en-US" altLang="ko-KR" sz="1400" dirty="0">
+              <a:rPr lang="en-US" altLang="ko-KR" sz="1600" dirty="0">
                 <a:latin typeface="Verdana" charset="0"/>
                 <a:ea typeface="Verdana" charset="0"/>
                 <a:cs typeface="Verdana" charset="0"/>
@@ -9813,7 +8077,7 @@
               <a:t>What is </a:t>
             </a:r>
             <a:r>
-              <a:rPr lang="en-US" altLang="ko-KR" sz="1400" dirty="0" smtClean="0">
+              <a:rPr lang="en-US" altLang="ko-KR" sz="1600" dirty="0" smtClean="0">
                 <a:latin typeface="Verdana" charset="0"/>
                 <a:ea typeface="Verdana" charset="0"/>
                 <a:cs typeface="Verdana" charset="0"/>
@@ -9821,7 +8085,7 @@
               <a:t>the</a:t>
             </a:r>
             <a:r>
-              <a:rPr lang="ko-KR" altLang="en-US" sz="1400" dirty="0" smtClean="0">
+              <a:rPr lang="ko-KR" altLang="en-US" sz="1600" dirty="0" smtClean="0">
                 <a:latin typeface="Verdana" charset="0"/>
                 <a:ea typeface="Verdana" charset="0"/>
                 <a:cs typeface="Verdana" charset="0"/>
@@ -9829,7 +8093,7 @@
               <a:t> </a:t>
             </a:r>
             <a:r>
-              <a:rPr lang="en-US" altLang="ko-KR" sz="1400" dirty="0" smtClean="0">
+              <a:rPr lang="en-US" altLang="ko-KR" sz="1600" dirty="0" smtClean="0">
                 <a:latin typeface="Verdana" charset="0"/>
                 <a:ea typeface="Verdana" charset="0"/>
                 <a:cs typeface="Verdana" charset="0"/>
@@ -9837,7 +8101,7 @@
               <a:t>entrance </a:t>
             </a:r>
             <a:r>
-              <a:rPr lang="en-US" altLang="ko-KR" sz="1400" dirty="0">
+              <a:rPr lang="en-US" altLang="ko-KR" sz="1600" dirty="0">
                 <a:latin typeface="Verdana" charset="0"/>
                 <a:ea typeface="Verdana" charset="0"/>
                 <a:cs typeface="Verdana" charset="0"/>
@@ -9845,7 +8109,7 @@
               <a:t>fee for a popular national park? Does it have to do with the </a:t>
             </a:r>
             <a:r>
-              <a:rPr lang="en-US" altLang="ko-KR" sz="1400" dirty="0" smtClean="0">
+              <a:rPr lang="en-US" altLang="ko-KR" sz="1600" dirty="0" smtClean="0">
                 <a:latin typeface="Verdana" charset="0"/>
                 <a:ea typeface="Verdana" charset="0"/>
                 <a:cs typeface="Verdana" charset="0"/>
@@ -9853,7 +8117,7 @@
               <a:t>entrance </a:t>
             </a:r>
             <a:r>
-              <a:rPr lang="en-US" altLang="ko-KR" sz="1400" dirty="0">
+              <a:rPr lang="en-US" altLang="ko-KR" sz="1600" dirty="0">
                 <a:latin typeface="Verdana" charset="0"/>
                 <a:ea typeface="Verdana" charset="0"/>
                 <a:cs typeface="Verdana" charset="0"/>
@@ -9861,7 +8125,7 @@
               <a:t>fee and the number of visitors?</a:t>
             </a:r>
             <a:r>
-              <a:rPr lang="en-US" altLang="ko-KR" sz="1400" dirty="0" smtClean="0">
+              <a:rPr lang="en-US" altLang="ko-KR" sz="1600" dirty="0" smtClean="0">
                 <a:solidFill>
                   <a:srgbClr val="64818D"/>
                 </a:solidFill>
@@ -9871,7 +8135,7 @@
               </a:rPr>
               <a:t> </a:t>
             </a:r>
-            <a:endParaRPr lang="ko-KR" altLang="en-US" sz="1400" dirty="0">
+            <a:endParaRPr lang="ko-KR" altLang="en-US" sz="1600" dirty="0">
               <a:solidFill>
                 <a:srgbClr val="64818D"/>
               </a:solidFill>
@@ -9890,7 +8154,7 @@
         </p:nvSpPr>
         <p:spPr>
           <a:xfrm>
-            <a:off x="6877454" y="1390983"/>
+            <a:off x="7217350" y="1495425"/>
             <a:ext cx="2519460" cy="369332"/>
           </a:xfrm>
           <a:prstGeom prst="rect">
@@ -9936,7 +8200,7 @@
         </p:nvGrpSpPr>
         <p:grpSpPr bwMode="auto">
           <a:xfrm rot="20629952">
-            <a:off x="11440398" y="6232475"/>
+            <a:off x="6643794" y="1495464"/>
             <a:ext cx="479425" cy="492125"/>
             <a:chOff x="1401" y="818"/>
             <a:chExt cx="302" cy="310"/>
@@ -10270,6 +8534,13 @@
   <p:clrMapOvr>
     <a:masterClrMapping/>
   </p:clrMapOvr>
+  <p:timing>
+    <p:tnLst>
+      <p:par>
+        <p:cTn id="1" dur="indefinite" restart="never" nodeType="tmRoot"/>
+      </p:par>
+    </p:tnLst>
+  </p:timing>
 </p:sld>
 </file>
 
@@ -10344,7 +8615,7 @@
         </p:nvSpPr>
         <p:spPr>
           <a:xfrm>
-            <a:off x="256199" y="260387"/>
+            <a:off x="256199" y="323887"/>
             <a:ext cx="673776" cy="523220"/>
           </a:xfrm>
           <a:prstGeom prst="rect">
@@ -10388,7 +8659,7 @@
         </p:nvSpPr>
         <p:spPr>
           <a:xfrm>
-            <a:off x="929974" y="285787"/>
+            <a:off x="929974" y="349287"/>
             <a:ext cx="2694533" cy="523220"/>
           </a:xfrm>
           <a:prstGeom prst="rect">
@@ -10426,7 +8697,7 @@
         </p:nvSpPr>
         <p:spPr>
           <a:xfrm>
-            <a:off x="844305" y="368173"/>
+            <a:off x="844305" y="431673"/>
             <a:ext cx="45719" cy="307648"/>
           </a:xfrm>
           <a:prstGeom prst="rect">
@@ -10476,7 +8747,7 @@
         </p:nvSpPr>
         <p:spPr>
           <a:xfrm>
-            <a:off x="8182020" y="1806631"/>
+            <a:off x="8067720" y="1806631"/>
             <a:ext cx="1495406" cy="1495406"/>
           </a:xfrm>
           <a:prstGeom prst="ellipse">
@@ -10537,7 +8808,7 @@
         </p:blipFill>
         <p:spPr bwMode="auto">
           <a:xfrm>
-            <a:off x="8333813" y="1959290"/>
+            <a:off x="8219513" y="1959290"/>
             <a:ext cx="1191820" cy="1191820"/>
           </a:xfrm>
           <a:custGeom>
@@ -10622,7 +8893,7 @@
         </p:nvSpPr>
         <p:spPr>
           <a:xfrm>
-            <a:off x="3174425" y="1806631"/>
+            <a:off x="3568125" y="1819331"/>
             <a:ext cx="1495406" cy="1495406"/>
           </a:xfrm>
           <a:prstGeom prst="ellipse">
@@ -10683,7 +8954,7 @@
         </p:blipFill>
         <p:spPr bwMode="auto">
           <a:xfrm>
-            <a:off x="3326218" y="1959290"/>
+            <a:off x="3719918" y="1971990"/>
             <a:ext cx="1191820" cy="1191820"/>
           </a:xfrm>
           <a:custGeom>
@@ -10768,7 +9039,7 @@
         </p:nvGrpSpPr>
         <p:grpSpPr>
           <a:xfrm>
-            <a:off x="7959366" y="4076152"/>
+            <a:off x="7845066" y="4076152"/>
             <a:ext cx="1935478" cy="285033"/>
             <a:chOff x="2093854" y="3947962"/>
             <a:chExt cx="1935478" cy="285033"/>
@@ -10875,7 +9146,7 @@
         </p:nvGrpSpPr>
         <p:grpSpPr>
           <a:xfrm>
-            <a:off x="7959367" y="4505482"/>
+            <a:off x="7845067" y="4505482"/>
             <a:ext cx="1935477" cy="285033"/>
             <a:chOff x="2093855" y="4341621"/>
             <a:chExt cx="1935477" cy="285033"/>
@@ -10982,7 +9253,7 @@
         </p:nvGrpSpPr>
         <p:grpSpPr>
           <a:xfrm>
-            <a:off x="7959367" y="4934812"/>
+            <a:off x="7845067" y="4934812"/>
             <a:ext cx="1935477" cy="285033"/>
             <a:chOff x="2093855" y="4861743"/>
             <a:chExt cx="1935477" cy="285033"/>
@@ -11089,7 +9360,7 @@
         </p:nvGrpSpPr>
         <p:grpSpPr>
           <a:xfrm>
-            <a:off x="7959368" y="5364141"/>
+            <a:off x="7845068" y="5364141"/>
             <a:ext cx="1935476" cy="285033"/>
             <a:chOff x="2093856" y="5235951"/>
             <a:chExt cx="1935476" cy="285033"/>
@@ -11196,7 +9467,7 @@
         </p:nvSpPr>
         <p:spPr>
           <a:xfrm>
-            <a:off x="8192241" y="3568170"/>
+            <a:off x="8077941" y="3568170"/>
             <a:ext cx="1526004" cy="338554"/>
           </a:xfrm>
           <a:prstGeom prst="rect">
@@ -11246,7 +9517,7 @@
         </p:blipFill>
         <p:spPr>
           <a:xfrm>
-            <a:off x="1718748" y="1563734"/>
+            <a:off x="2099918" y="1530911"/>
             <a:ext cx="3240000" cy="4463642"/>
           </a:xfrm>
           <a:prstGeom prst="rect">
@@ -11270,7 +9541,7 @@
         </p:blipFill>
         <p:spPr>
           <a:xfrm>
-            <a:off x="7618184" y="1530911"/>
+            <a:off x="7503884" y="1530911"/>
             <a:ext cx="3517615" cy="4905291"/>
           </a:xfrm>
           <a:prstGeom prst="rect">
@@ -11294,8 +9565,8 @@
         </p:blipFill>
         <p:spPr>
           <a:xfrm>
-            <a:off x="8351040" y="1908540"/>
-            <a:ext cx="2957832" cy="4905290"/>
+            <a:off x="8236740" y="1857740"/>
+            <a:ext cx="2957832" cy="4746260"/>
           </a:xfrm>
           <a:prstGeom prst="rect">
             <a:avLst/>
@@ -11318,7 +9589,7 @@
         </p:blipFill>
         <p:spPr>
           <a:xfrm>
-            <a:off x="118274" y="1563734"/>
+            <a:off x="637458" y="1534401"/>
             <a:ext cx="1343526" cy="1293766"/>
           </a:xfrm>
           <a:prstGeom prst="rect">
@@ -11385,7 +9656,7 @@
         </p:blipFill>
         <p:spPr>
           <a:xfrm>
-            <a:off x="5709862" y="1566871"/>
+            <a:off x="5945323" y="1530911"/>
             <a:ext cx="1385488" cy="1265318"/>
           </a:xfrm>
           <a:prstGeom prst="rect">
@@ -11403,6 +9674,13 @@
   <p:clrMapOvr>
     <a:masterClrMapping/>
   </p:clrMapOvr>
+  <p:timing>
+    <p:tnLst>
+      <p:par>
+        <p:cTn id="1" dur="indefinite" restart="never" nodeType="tmRoot"/>
+      </p:par>
+    </p:tnLst>
+  </p:timing>
 </p:sld>
 </file>
 
@@ -11481,7 +9759,7 @@
         </p:nvSpPr>
         <p:spPr>
           <a:xfrm>
-            <a:off x="5630359" y="4224245"/>
+            <a:off x="5630359" y="4383269"/>
             <a:ext cx="2166629" cy="646331"/>
           </a:xfrm>
           <a:prstGeom prst="rect">
@@ -11678,7 +9956,30 @@
                 <a:ea typeface="Verdana" charset="0"/>
                 <a:cs typeface="Verdana" charset="0"/>
               </a:rPr>
-              <a:t> Where is Top10 National Park popular in the United States?</a:t>
+              <a:t> </a:t>
+            </a:r>
+            <a:endParaRPr lang="en-US" altLang="ko-KR" sz="2800" dirty="0" smtClean="0">
+              <a:latin typeface="Verdana" charset="0"/>
+              <a:ea typeface="Verdana" charset="0"/>
+              <a:cs typeface="Verdana" charset="0"/>
+            </a:endParaRPr>
+          </a:p>
+          <a:p>
+            <a:r>
+              <a:rPr lang="en-US" altLang="ko-KR" sz="2800" dirty="0" smtClean="0">
+                <a:latin typeface="Verdana" charset="0"/>
+                <a:ea typeface="Verdana" charset="0"/>
+                <a:cs typeface="Verdana" charset="0"/>
+              </a:rPr>
+              <a:t>Where </a:t>
+            </a:r>
+            <a:r>
+              <a:rPr lang="en-US" altLang="ko-KR" sz="2800" dirty="0">
+                <a:latin typeface="Verdana" charset="0"/>
+                <a:ea typeface="Verdana" charset="0"/>
+                <a:cs typeface="Verdana" charset="0"/>
+              </a:rPr>
+              <a:t>is Top10 National Park popular in the United States?</a:t>
             </a:r>
             <a:r>
               <a:rPr lang="en-US" altLang="ko-KR" sz="2800" dirty="0">
@@ -11783,8 +10084,8 @@
         </p:blipFill>
         <p:spPr>
           <a:xfrm>
-            <a:off x="9041832" y="3556000"/>
-            <a:ext cx="2680268" cy="2785034"/>
+            <a:off x="8892576" y="3771900"/>
+            <a:ext cx="2435823" cy="2531034"/>
           </a:xfrm>
           <a:prstGeom prst="rect">
             <a:avLst/>
@@ -11799,7 +10100,7 @@
         </p:nvSpPr>
         <p:spPr>
           <a:xfrm>
-            <a:off x="1623811" y="1637631"/>
+            <a:off x="1623811" y="1796655"/>
             <a:ext cx="6821689" cy="4788569"/>
           </a:xfrm>
           <a:prstGeom prst="rect">
@@ -11857,7 +10158,7 @@
         </p:blipFill>
         <p:spPr>
           <a:xfrm>
-            <a:off x="1699319" y="1753369"/>
+            <a:off x="1712571" y="1912393"/>
             <a:ext cx="6625377" cy="4549565"/>
           </a:xfrm>
           <a:prstGeom prst="rect">
@@ -11875,6 +10176,13 @@
   <p:clrMapOvr>
     <a:masterClrMapping/>
   </p:clrMapOvr>
+  <p:timing>
+    <p:tnLst>
+      <p:par>
+        <p:cTn id="1" dur="indefinite" restart="never" nodeType="tmRoot"/>
+      </p:par>
+    </p:tnLst>
+  </p:timing>
 </p:sld>
 </file>
 
@@ -11953,8 +10261,8 @@
         </p:nvSpPr>
         <p:spPr>
           <a:xfrm>
-            <a:off x="4728659" y="4224245"/>
-            <a:ext cx="2166629" cy="646331"/>
+            <a:off x="5249360" y="4478245"/>
+            <a:ext cx="1971970" cy="646331"/>
           </a:xfrm>
           <a:prstGeom prst="rect">
             <a:avLst/>
@@ -12142,18 +10450,30 @@
                 <a:ea typeface="Verdana" charset="0"/>
                 <a:cs typeface="Verdana" charset="0"/>
               </a:rPr>
-              <a:t>Q</a:t>
+              <a:t>Q1.</a:t>
             </a:r>
             <a:r>
               <a:rPr lang="en-US" altLang="ko-KR" sz="2800" dirty="0">
-                <a:solidFill>
-                  <a:srgbClr val="64818D"/>
-                </a:solidFill>
-                <a:latin typeface="Verdana" charset="0"/>
-                <a:ea typeface="Verdana" charset="0"/>
-                <a:cs typeface="Verdana" charset="0"/>
-              </a:rPr>
-              <a:t>1.</a:t>
+                <a:latin typeface="Verdana" charset="0"/>
+                <a:ea typeface="Verdana" charset="0"/>
+                <a:cs typeface="Verdana" charset="0"/>
+              </a:rPr>
+              <a:t> </a:t>
+            </a:r>
+            <a:endParaRPr lang="en-US" altLang="ko-KR" sz="2800" dirty="0" smtClean="0">
+              <a:latin typeface="Verdana" charset="0"/>
+              <a:ea typeface="Verdana" charset="0"/>
+              <a:cs typeface="Verdana" charset="0"/>
+            </a:endParaRPr>
+          </a:p>
+          <a:p>
+            <a:r>
+              <a:rPr lang="en-US" altLang="ko-KR" sz="2800" dirty="0" smtClean="0">
+                <a:latin typeface="Verdana" charset="0"/>
+                <a:ea typeface="Verdana" charset="0"/>
+                <a:cs typeface="Verdana" charset="0"/>
+              </a:rPr>
+              <a:t>Where </a:t>
             </a:r>
             <a:r>
               <a:rPr lang="en-US" altLang="ko-KR" sz="2800" dirty="0">
@@ -12161,7 +10481,7 @@
                 <a:ea typeface="Verdana" charset="0"/>
                 <a:cs typeface="Verdana" charset="0"/>
               </a:rPr>
-              <a:t> Where is Top10 National Park popular in the United States?</a:t>
+              <a:t>is Top10 National Park popular in the United States?</a:t>
             </a:r>
             <a:r>
               <a:rPr lang="en-US" altLang="ko-KR" sz="2800" dirty="0">
@@ -12252,69 +10572,14 @@
       </p:sp>
       <p:sp>
         <p:nvSpPr>
-          <p:cNvPr id="80" name="TextBox 79"/>
-          <p:cNvSpPr txBox="1"/>
-          <p:nvPr/>
-        </p:nvSpPr>
-        <p:spPr>
-          <a:xfrm>
-            <a:off x="4514959" y="6584747"/>
-            <a:ext cx="3161791" cy="246221"/>
-          </a:xfrm>
-          <a:prstGeom prst="rect">
-            <a:avLst/>
-          </a:prstGeom>
-          <a:noFill/>
-        </p:spPr>
-        <p:txBody>
-          <a:bodyPr wrap="square" rtlCol="0">
-            <a:spAutoFit/>
-          </a:bodyPr>
-          <a:lstStyle/>
-          <a:p>
-            <a:pPr algn="ctr"/>
-            <a:r>
-              <a:rPr lang="en-US" altLang="ko-KR" sz="1000" dirty="0" smtClean="0">
-                <a:latin typeface="Verdana" charset="0"/>
-                <a:ea typeface="Verdana" charset="0"/>
-                <a:cs typeface="Verdana" charset="0"/>
-              </a:rPr>
-              <a:t>Copyright </a:t>
-            </a:r>
-            <a:r>
-              <a:rPr lang="ko-KR" altLang="en-US" sz="1000" dirty="0" smtClean="0">
-                <a:latin typeface="Verdana" charset="0"/>
-                <a:ea typeface="Verdana" charset="0"/>
-                <a:cs typeface="Verdana" charset="0"/>
-              </a:rPr>
-              <a:t>ⓒ </a:t>
-            </a:r>
-            <a:r>
-              <a:rPr lang="en-US" altLang="ko-KR" sz="1000" dirty="0" smtClean="0">
-                <a:latin typeface="Verdana" charset="0"/>
-                <a:ea typeface="Verdana" charset="0"/>
-                <a:cs typeface="Verdana" charset="0"/>
-              </a:rPr>
-              <a:t>Slug. All right reserved.</a:t>
-            </a:r>
-            <a:endParaRPr lang="ko-KR" altLang="en-US" sz="1000" dirty="0">
-              <a:latin typeface="Verdana" charset="0"/>
-              <a:ea typeface="Verdana" charset="0"/>
-              <a:cs typeface="Verdana" charset="0"/>
-            </a:endParaRPr>
-          </a:p>
-        </p:txBody>
-      </p:sp>
-      <p:sp>
-        <p:nvSpPr>
           <p:cNvPr id="37" name="직사각형 36"/>
           <p:cNvSpPr/>
           <p:nvPr/>
         </p:nvSpPr>
         <p:spPr>
           <a:xfrm>
-            <a:off x="806205" y="1356406"/>
-            <a:ext cx="10318995" cy="5438094"/>
+            <a:off x="1326905" y="1610406"/>
+            <a:ext cx="9391895" cy="4949514"/>
           </a:xfrm>
           <a:prstGeom prst="rect">
             <a:avLst/>
@@ -12371,8 +10636,8 @@
         </p:blipFill>
         <p:spPr>
           <a:xfrm>
-            <a:off x="917273" y="1464432"/>
-            <a:ext cx="10067933" cy="5221915"/>
+            <a:off x="1437974" y="1718433"/>
+            <a:ext cx="9163390" cy="4752758"/>
           </a:xfrm>
           <a:prstGeom prst="rect">
             <a:avLst/>
@@ -12387,8 +10652,8 @@
         </p:nvSpPr>
         <p:spPr>
           <a:xfrm>
-            <a:off x="3312206" y="4224245"/>
-            <a:ext cx="1238359" cy="2056098"/>
+            <a:off x="3503176" y="4070921"/>
+            <a:ext cx="1127100" cy="1998575"/>
           </a:xfrm>
           <a:prstGeom prst="ellipse">
             <a:avLst/>
@@ -12450,6 +10715,13 @@
   <p:clrMapOvr>
     <a:masterClrMapping/>
   </p:clrMapOvr>
+  <p:timing>
+    <p:tnLst>
+      <p:par>
+        <p:cTn id="1" dur="indefinite" restart="never" nodeType="tmRoot"/>
+      </p:par>
+    </p:tnLst>
+  </p:timing>
 </p:sld>
 </file>
 
@@ -12528,8 +10800,8 @@
         </p:nvSpPr>
         <p:spPr>
           <a:xfrm>
-            <a:off x="4728659" y="4224245"/>
-            <a:ext cx="2166629" cy="646331"/>
+            <a:off x="5160459" y="4427445"/>
+            <a:ext cx="2048527" cy="646331"/>
           </a:xfrm>
           <a:prstGeom prst="rect">
             <a:avLst/>
@@ -12717,34 +10989,33 @@
                 <a:ea typeface="Verdana" charset="0"/>
                 <a:cs typeface="Verdana" charset="0"/>
               </a:rPr>
-              <a:t>Q2</a:t>
+              <a:t>Q2.</a:t>
+            </a:r>
+            <a:r>
+              <a:rPr lang="en-US" altLang="ko-KR" sz="2800" dirty="0" smtClean="0">
+                <a:latin typeface="Verdana" charset="0"/>
+                <a:ea typeface="Verdana" charset="0"/>
+                <a:cs typeface="Verdana" charset="0"/>
+              </a:rPr>
+              <a:t> </a:t>
+            </a:r>
+          </a:p>
+          <a:p>
+            <a:r>
+              <a:rPr lang="en-US" altLang="ko-KR" sz="2800" dirty="0" smtClean="0">
+                <a:latin typeface="Verdana" charset="0"/>
+                <a:ea typeface="Verdana" charset="0"/>
+                <a:cs typeface="Verdana" charset="0"/>
+              </a:rPr>
+              <a:t>When </a:t>
             </a:r>
             <a:r>
               <a:rPr lang="en-US" altLang="ko-KR" sz="2800" dirty="0">
-                <a:solidFill>
-                  <a:srgbClr val="64818D"/>
-                </a:solidFill>
-                <a:latin typeface="Verdana" charset="0"/>
-                <a:ea typeface="Verdana" charset="0"/>
-                <a:cs typeface="Verdana" charset="0"/>
-              </a:rPr>
-              <a:t>.</a:t>
-            </a:r>
-            <a:r>
-              <a:rPr lang="en-US" altLang="ko-KR" sz="2800" dirty="0" smtClean="0">
-                <a:latin typeface="Verdana" charset="0"/>
-                <a:ea typeface="Verdana" charset="0"/>
-                <a:cs typeface="Verdana" charset="0"/>
-              </a:rPr>
-              <a:t> </a:t>
-            </a:r>
-            <a:r>
-              <a:rPr lang="en-US" altLang="ko-KR" sz="2800" dirty="0">
-                <a:latin typeface="Verdana" charset="0"/>
-                <a:ea typeface="Verdana" charset="0"/>
-                <a:cs typeface="Verdana" charset="0"/>
-              </a:rPr>
-              <a:t>When is a good time to go to the national park?</a:t>
+                <a:latin typeface="Verdana" charset="0"/>
+                <a:ea typeface="Verdana" charset="0"/>
+                <a:cs typeface="Verdana" charset="0"/>
+              </a:rPr>
+              <a:t>is a good time to go to the national park?</a:t>
             </a:r>
             <a:r>
               <a:rPr lang="en-US" altLang="ko-KR" sz="2800" dirty="0">
@@ -12831,8 +11102,8 @@
         </p:nvSpPr>
         <p:spPr>
           <a:xfrm>
-            <a:off x="806205" y="1356406"/>
-            <a:ext cx="10230095" cy="5228341"/>
+            <a:off x="1238005" y="1559607"/>
+            <a:ext cx="9672457" cy="4976066"/>
           </a:xfrm>
           <a:prstGeom prst="rect">
             <a:avLst/>
@@ -12889,8 +11160,8 @@
         </p:blipFill>
         <p:spPr>
           <a:xfrm>
-            <a:off x="891874" y="1436265"/>
-            <a:ext cx="10030801" cy="5096131"/>
+            <a:off x="1310975" y="1639465"/>
+            <a:ext cx="9546800" cy="4850235"/>
           </a:xfrm>
           <a:prstGeom prst="rect">
             <a:avLst/>
@@ -12905,14 +11176,14 @@
         </p:nvSpPr>
         <p:spPr>
           <a:xfrm>
-            <a:off x="5434788" y="1803400"/>
-            <a:ext cx="2921000" cy="3390900"/>
+            <a:off x="5587188" y="2006600"/>
+            <a:ext cx="2761777" cy="3227284"/>
           </a:xfrm>
           <a:prstGeom prst="rect">
             <a:avLst/>
           </a:prstGeom>
           <a:noFill/>
-          <a:ln>
+          <a:ln w="15875">
             <a:solidFill>
               <a:srgbClr val="002060"/>
             </a:solidFill>
@@ -12940,6 +11211,11 @@
           <a:p>
             <a:pPr algn="ctr"/>
             <a:endParaRPr kumimoji="1" lang="ko-KR" altLang="en-US">
+              <a:ln>
+                <a:solidFill>
+                  <a:srgbClr val="002060"/>
+                </a:solidFill>
+              </a:ln>
               <a:latin typeface="Verdana" charset="0"/>
               <a:ea typeface="Verdana" charset="0"/>
               <a:cs typeface="Verdana" charset="0"/>
@@ -12957,6 +11233,13 @@
   <p:clrMapOvr>
     <a:masterClrMapping/>
   </p:clrMapOvr>
+  <p:timing>
+    <p:tnLst>
+      <p:par>
+        <p:cTn id="1" dur="indefinite" restart="never" nodeType="tmRoot"/>
+      </p:par>
+    </p:tnLst>
+  </p:timing>
 </p:sld>
 </file>
 
@@ -13148,13 +11431,31 @@
               </a:rPr>
               <a:t>. </a:t>
             </a:r>
+            <a:endParaRPr lang="en-US" altLang="ko-KR" sz="2800" dirty="0" smtClean="0">
+              <a:solidFill>
+                <a:srgbClr val="64818D"/>
+              </a:solidFill>
+              <a:latin typeface="Verdana" charset="0"/>
+              <a:ea typeface="Verdana" charset="0"/>
+              <a:cs typeface="Verdana" charset="0"/>
+            </a:endParaRPr>
+          </a:p>
+          <a:p>
+            <a:r>
+              <a:rPr lang="en-US" altLang="ko-KR" sz="2800" dirty="0" smtClean="0">
+                <a:latin typeface="Verdana" charset="0"/>
+                <a:ea typeface="Verdana" charset="0"/>
+                <a:cs typeface="Verdana" charset="0"/>
+              </a:rPr>
+              <a:t>What </a:t>
+            </a:r>
             <a:r>
               <a:rPr lang="en-US" altLang="ko-KR" sz="2800" dirty="0">
                 <a:latin typeface="Verdana" charset="0"/>
                 <a:ea typeface="Verdana" charset="0"/>
                 <a:cs typeface="Verdana" charset="0"/>
               </a:rPr>
-              <a:t>What is the </a:t>
+              <a:t>is the </a:t>
             </a:r>
             <a:r>
               <a:rPr lang="en-US" altLang="ko-KR" sz="2800" dirty="0" smtClean="0">
@@ -13238,8 +11539,8 @@
         </p:nvSpPr>
         <p:spPr>
           <a:xfrm>
-            <a:off x="1071703" y="1448965"/>
-            <a:ext cx="9558197" cy="5228341"/>
+            <a:off x="1877504" y="1689100"/>
+            <a:ext cx="8561895" cy="4699000"/>
           </a:xfrm>
           <a:prstGeom prst="rect">
             <a:avLst/>
@@ -13296,8 +11597,8 @@
         </p:blipFill>
         <p:spPr>
           <a:xfrm>
-            <a:off x="1189987" y="1548535"/>
-            <a:ext cx="9296400" cy="5029200"/>
+            <a:off x="1993900" y="1770459"/>
+            <a:ext cx="8327386" cy="4504979"/>
           </a:xfrm>
           <a:prstGeom prst="rect">
             <a:avLst/>
@@ -13314,6 +11615,13 @@
   <p:clrMapOvr>
     <a:masterClrMapping/>
   </p:clrMapOvr>
+  <p:timing>
+    <p:tnLst>
+      <p:par>
+        <p:cTn id="1" dur="indefinite" restart="never" nodeType="tmRoot"/>
+      </p:par>
+    </p:tnLst>
+  </p:timing>
 </p:sld>
 </file>
 
@@ -13334,6 +11642,106 @@
           <a:chExt cx="0" cy="0"/>
         </a:xfrm>
       </p:grpSpPr>
+      <p:sp>
+        <p:nvSpPr>
+          <p:cNvPr id="18" name="직사각형 17"/>
+          <p:cNvSpPr/>
+          <p:nvPr/>
+        </p:nvSpPr>
+        <p:spPr>
+          <a:xfrm>
+            <a:off x="7172334" y="1641587"/>
+            <a:ext cx="4448166" cy="4417473"/>
+          </a:xfrm>
+          <a:prstGeom prst="rect">
+            <a:avLst/>
+          </a:prstGeom>
+          <a:solidFill>
+            <a:srgbClr val="97B8BF"/>
+          </a:solidFill>
+          <a:ln>
+            <a:noFill/>
+          </a:ln>
+        </p:spPr>
+        <p:style>
+          <a:lnRef idx="2">
+            <a:schemeClr val="accent1">
+              <a:shade val="50000"/>
+            </a:schemeClr>
+          </a:lnRef>
+          <a:fillRef idx="1">
+            <a:schemeClr val="accent1"/>
+          </a:fillRef>
+          <a:effectRef idx="0">
+            <a:schemeClr val="accent1"/>
+          </a:effectRef>
+          <a:fontRef idx="minor">
+            <a:schemeClr val="lt1"/>
+          </a:fontRef>
+        </p:style>
+        <p:txBody>
+          <a:bodyPr rtlCol="0" anchor="ctr"/>
+          <a:lstStyle/>
+          <a:p>
+            <a:pPr algn="ctr"/>
+            <a:endParaRPr lang="ko-KR" altLang="en-US">
+              <a:latin typeface="Verdana" charset="0"/>
+              <a:ea typeface="Verdana" charset="0"/>
+              <a:cs typeface="Verdana" charset="0"/>
+            </a:endParaRPr>
+          </a:p>
+        </p:txBody>
+      </p:sp>
+      <p:sp>
+        <p:nvSpPr>
+          <p:cNvPr id="17" name="직사각형 16"/>
+          <p:cNvSpPr/>
+          <p:nvPr/>
+        </p:nvSpPr>
+        <p:spPr>
+          <a:xfrm>
+            <a:off x="355600" y="1987772"/>
+            <a:ext cx="6312756" cy="3892328"/>
+          </a:xfrm>
+          <a:prstGeom prst="rect">
+            <a:avLst/>
+          </a:prstGeom>
+          <a:solidFill>
+            <a:srgbClr val="97B8BF"/>
+          </a:solidFill>
+          <a:ln>
+            <a:noFill/>
+          </a:ln>
+        </p:spPr>
+        <p:style>
+          <a:lnRef idx="2">
+            <a:schemeClr val="accent1">
+              <a:shade val="50000"/>
+            </a:schemeClr>
+          </a:lnRef>
+          <a:fillRef idx="1">
+            <a:schemeClr val="accent1"/>
+          </a:fillRef>
+          <a:effectRef idx="0">
+            <a:schemeClr val="accent1"/>
+          </a:effectRef>
+          <a:fontRef idx="minor">
+            <a:schemeClr val="lt1"/>
+          </a:fontRef>
+        </p:style>
+        <p:txBody>
+          <a:bodyPr rtlCol="0" anchor="ctr"/>
+          <a:lstStyle/>
+          <a:p>
+            <a:pPr algn="ctr"/>
+            <a:endParaRPr lang="ko-KR" altLang="en-US">
+              <a:latin typeface="Verdana" charset="0"/>
+              <a:ea typeface="Verdana" charset="0"/>
+              <a:cs typeface="Verdana" charset="0"/>
+            </a:endParaRPr>
+          </a:p>
+        </p:txBody>
+      </p:sp>
       <p:sp>
         <p:nvSpPr>
           <p:cNvPr id="4" name="직사각형 3"/>
@@ -13437,7 +11845,7 @@
         <p:spPr>
           <a:xfrm>
             <a:off x="929974" y="184187"/>
-            <a:ext cx="11033426" cy="954107"/>
+            <a:ext cx="11033426" cy="892552"/>
           </a:xfrm>
           <a:prstGeom prst="rect">
             <a:avLst/>
@@ -13502,16 +11910,31 @@
               </a:rPr>
               <a:t> </a:t>
             </a:r>
-            <a:r>
-              <a:rPr lang="en-US" altLang="ko-KR" sz="2800" dirty="0">
-                <a:latin typeface="Verdana" charset="0"/>
-                <a:ea typeface="Verdana" charset="0"/>
-                <a:cs typeface="Verdana" charset="0"/>
-              </a:rPr>
-              <a:t>Does it have to do with the </a:t>
-            </a:r>
-            <a:r>
-              <a:rPr lang="en-US" altLang="ko-KR" sz="2800" dirty="0" smtClean="0">
+            <a:endParaRPr lang="en-US" altLang="ko-KR" sz="2800" dirty="0" smtClean="0">
+              <a:latin typeface="Verdana" charset="0"/>
+              <a:ea typeface="Verdana" charset="0"/>
+              <a:cs typeface="Verdana" charset="0"/>
+            </a:endParaRPr>
+          </a:p>
+          <a:p>
+            <a:r>
+              <a:rPr lang="en-US" altLang="ko-KR" sz="2400" dirty="0" smtClean="0">
+                <a:latin typeface="Verdana" charset="0"/>
+                <a:ea typeface="Verdana" charset="0"/>
+                <a:cs typeface="Verdana" charset="0"/>
+              </a:rPr>
+              <a:t>Does </a:t>
+            </a:r>
+            <a:r>
+              <a:rPr lang="en-US" altLang="ko-KR" sz="2400" dirty="0">
+                <a:latin typeface="Verdana" charset="0"/>
+                <a:ea typeface="Verdana" charset="0"/>
+                <a:cs typeface="Verdana" charset="0"/>
+              </a:rPr>
+              <a:t>it have to do with the </a:t>
+            </a:r>
+            <a:r>
+              <a:rPr lang="en-US" altLang="ko-KR" sz="2400" dirty="0" smtClean="0">
                 <a:latin typeface="Verdana" charset="0"/>
                 <a:ea typeface="Verdana" charset="0"/>
                 <a:cs typeface="Verdana" charset="0"/>
@@ -13519,7 +11942,7 @@
               <a:t>entrance </a:t>
             </a:r>
             <a:r>
-              <a:rPr lang="en-US" altLang="ko-KR" sz="2800" dirty="0">
+              <a:rPr lang="en-US" altLang="ko-KR" sz="2400" dirty="0">
                 <a:latin typeface="Verdana" charset="0"/>
                 <a:ea typeface="Verdana" charset="0"/>
                 <a:cs typeface="Verdana" charset="0"/>
@@ -13527,7 +11950,7 @@
               <a:t>fee and the number of </a:t>
             </a:r>
             <a:r>
-              <a:rPr lang="en-US" altLang="ko-KR" sz="2800" dirty="0" smtClean="0">
+              <a:rPr lang="en-US" altLang="ko-KR" sz="2400" dirty="0" smtClean="0">
                 <a:latin typeface="Verdana" charset="0"/>
                 <a:ea typeface="Verdana" charset="0"/>
                 <a:cs typeface="Verdana" charset="0"/>
@@ -13535,14 +11958,14 @@
               <a:t>visitors?</a:t>
             </a:r>
             <a:r>
-              <a:rPr lang="ko-KR" altLang="en-US" sz="2800" dirty="0" smtClean="0">
+              <a:rPr lang="ko-KR" altLang="en-US" sz="2400" dirty="0" smtClean="0">
                 <a:latin typeface="Verdana" charset="0"/>
                 <a:ea typeface="Verdana" charset="0"/>
                 <a:cs typeface="Verdana" charset="0"/>
               </a:rPr>
               <a:t> </a:t>
             </a:r>
-            <a:endParaRPr lang="ko-KR" altLang="en-US" sz="2800" dirty="0">
+            <a:endParaRPr lang="ko-KR" altLang="en-US" sz="2400" dirty="0">
               <a:latin typeface="Verdana" charset="0"/>
               <a:ea typeface="Verdana" charset="0"/>
               <a:cs typeface="Verdana" charset="0"/>
@@ -13616,7 +12039,7 @@
         </p:blipFill>
         <p:spPr>
           <a:xfrm>
-            <a:off x="256199" y="1632172"/>
+            <a:off x="395899" y="2025872"/>
             <a:ext cx="6221657" cy="3803428"/>
           </a:xfrm>
           <a:prstGeom prst="rect">
@@ -13632,7 +12055,7 @@
         </p:nvSpPr>
         <p:spPr>
           <a:xfrm>
-            <a:off x="844305" y="1723787"/>
+            <a:off x="984005" y="2117487"/>
             <a:ext cx="501895" cy="482600"/>
           </a:xfrm>
           <a:prstGeom prst="ellipse">
@@ -13677,7 +12100,7 @@
         </p:nvCxnSpPr>
         <p:spPr>
           <a:xfrm flipV="1">
-            <a:off x="1346200" y="1850271"/>
+            <a:off x="1485900" y="2243971"/>
             <a:ext cx="290517" cy="105529"/>
           </a:xfrm>
           <a:prstGeom prst="curvedConnector3">
@@ -13712,7 +12135,7 @@
         </p:nvSpPr>
         <p:spPr>
           <a:xfrm>
-            <a:off x="1636717" y="1694190"/>
+            <a:off x="1776417" y="2125990"/>
             <a:ext cx="2755900" cy="261610"/>
           </a:xfrm>
           <a:prstGeom prst="rect">
@@ -13758,7 +12181,7 @@
         </p:nvSpPr>
         <p:spPr>
           <a:xfrm>
-            <a:off x="5653939" y="2997200"/>
+            <a:off x="5793639" y="3390900"/>
             <a:ext cx="501895" cy="482600"/>
           </a:xfrm>
           <a:prstGeom prst="ellipse">
@@ -13803,7 +12226,7 @@
         </p:nvCxnSpPr>
         <p:spPr>
           <a:xfrm rot="10800000">
-            <a:off x="5394927" y="3098801"/>
+            <a:off x="5534627" y="3492501"/>
             <a:ext cx="259012" cy="139701"/>
           </a:xfrm>
           <a:prstGeom prst="curvedConnector3">
@@ -13838,7 +12261,7 @@
         </p:nvSpPr>
         <p:spPr>
           <a:xfrm>
-            <a:off x="4392617" y="2917196"/>
+            <a:off x="4392617" y="3323596"/>
             <a:ext cx="2755900" cy="261610"/>
           </a:xfrm>
           <a:prstGeom prst="rect">
@@ -13876,7 +12299,7 @@
         </p:nvSpPr>
         <p:spPr>
           <a:xfrm>
-            <a:off x="5675673" y="3521706"/>
+            <a:off x="5815373" y="3915406"/>
             <a:ext cx="306027" cy="261616"/>
           </a:xfrm>
           <a:prstGeom prst="ellipse">
@@ -13923,7 +12346,7 @@
         </p:nvCxnSpPr>
         <p:spPr>
           <a:xfrm rot="10800000">
-            <a:off x="5378561" y="3449316"/>
+            <a:off x="5518261" y="3843016"/>
             <a:ext cx="297112" cy="203199"/>
           </a:xfrm>
           <a:prstGeom prst="curvedConnector3">
@@ -13958,7 +12381,7 @@
         </p:nvSpPr>
         <p:spPr>
           <a:xfrm>
-            <a:off x="4287351" y="3318509"/>
+            <a:off x="4287351" y="3724909"/>
             <a:ext cx="2755900" cy="261610"/>
           </a:xfrm>
           <a:prstGeom prst="rect">
@@ -14004,7 +12427,7 @@
         </p:blipFill>
         <p:spPr>
           <a:xfrm>
-            <a:off x="6858619" y="1614388"/>
+            <a:off x="7218718" y="1677561"/>
             <a:ext cx="4381500" cy="4356100"/>
           </a:xfrm>
           <a:prstGeom prst="rect">
@@ -14022,6 +12445,13 @@
   <p:clrMapOvr>
     <a:masterClrMapping/>
   </p:clrMapOvr>
+  <p:timing>
+    <p:tnLst>
+      <p:par>
+        <p:cTn id="1" dur="indefinite" restart="never" nodeType="tmRoot"/>
+      </p:par>
+    </p:tnLst>
+  </p:timing>
 </p:sld>
 </file>
 

--- a/Web Scraping Project.pptx
+++ b/Web Scraping Project.pptx
@@ -10100,8 +10100,8 @@
         </p:nvSpPr>
         <p:spPr>
           <a:xfrm>
-            <a:off x="1623811" y="1796655"/>
-            <a:ext cx="6821689" cy="4788569"/>
+            <a:off x="1661911" y="1848893"/>
+            <a:ext cx="6745489" cy="4672831"/>
           </a:xfrm>
           <a:prstGeom prst="rect">
             <a:avLst/>
@@ -10578,8 +10578,8 @@
         </p:nvSpPr>
         <p:spPr>
           <a:xfrm>
-            <a:off x="1326905" y="1610406"/>
-            <a:ext cx="9391895" cy="4949514"/>
+            <a:off x="1403105" y="1667632"/>
+            <a:ext cx="9252195" cy="4841487"/>
           </a:xfrm>
           <a:prstGeom prst="rect">
             <a:avLst/>
@@ -11102,8 +11102,8 @@
         </p:nvSpPr>
         <p:spPr>
           <a:xfrm>
-            <a:off x="1238005" y="1559607"/>
-            <a:ext cx="9672457" cy="4976066"/>
+            <a:off x="1263405" y="1587499"/>
+            <a:ext cx="9658595" cy="4960873"/>
           </a:xfrm>
           <a:prstGeom prst="rect">
             <a:avLst/>
@@ -11539,8 +11539,8 @@
         </p:nvSpPr>
         <p:spPr>
           <a:xfrm>
-            <a:off x="1877504" y="1689100"/>
-            <a:ext cx="8561895" cy="4699000"/>
+            <a:off x="1930400" y="1706958"/>
+            <a:ext cx="8445499" cy="4617641"/>
           </a:xfrm>
           <a:prstGeom prst="rect">
             <a:avLst/>

--- a/Web Scraping Project.pptx
+++ b/Web Scraping Project.pptx
@@ -5529,7 +5529,7 @@
             <p:cNvPr id="127" name="그림 126">
               <a:extLst>
                 <a:ext uri="{FF2B5EF4-FFF2-40B4-BE49-F238E27FC236}">
-                  <a16:creationId xmlns:a16="http://schemas.microsoft.com/office/drawing/2014/main" xmlns="" id="{ED794204-DC7A-4032-A95A-FEF0AA41527D}"/>
+                  <a16:creationId xmlns="" xmlns:a16="http://schemas.microsoft.com/office/drawing/2014/main" id="{ED794204-DC7A-4032-A95A-FEF0AA41527D}"/>
                 </a:ext>
               </a:extLst>
             </p:cNvPr>
@@ -5745,7 +5745,7 @@
             <p:cNvPr id="136" name="그림 135">
               <a:extLst>
                 <a:ext uri="{FF2B5EF4-FFF2-40B4-BE49-F238E27FC236}">
-                  <a16:creationId xmlns:a16="http://schemas.microsoft.com/office/drawing/2014/main" xmlns="" id="{A1123AA5-1FFC-43F8-A49C-204E33C5E4DE}"/>
+                  <a16:creationId xmlns="" xmlns:a16="http://schemas.microsoft.com/office/drawing/2014/main" id="{A1123AA5-1FFC-43F8-A49C-204E33C5E4DE}"/>
                 </a:ext>
               </a:extLst>
             </p:cNvPr>
@@ -6053,7 +6053,7 @@
           <p:cNvPr id="143" name="그림 142">
             <a:extLst>
               <a:ext uri="{FF2B5EF4-FFF2-40B4-BE49-F238E27FC236}">
-                <a16:creationId xmlns:a16="http://schemas.microsoft.com/office/drawing/2014/main" xmlns="" id="{ED794204-DC7A-4032-A95A-FEF0AA41527D}"/>
+                <a16:creationId xmlns="" xmlns:a16="http://schemas.microsoft.com/office/drawing/2014/main" id="{ED794204-DC7A-4032-A95A-FEF0AA41527D}"/>
               </a:ext>
             </a:extLst>
           </p:cNvPr>
@@ -6189,7 +6189,7 @@
             <p:cNvPr id="146" name="그림 145">
               <a:extLst>
                 <a:ext uri="{FF2B5EF4-FFF2-40B4-BE49-F238E27FC236}">
-                  <a16:creationId xmlns:a16="http://schemas.microsoft.com/office/drawing/2014/main" xmlns="" id="{A1123AA5-1FFC-43F8-A49C-204E33C5E4DE}"/>
+                  <a16:creationId xmlns="" xmlns:a16="http://schemas.microsoft.com/office/drawing/2014/main" id="{A1123AA5-1FFC-43F8-A49C-204E33C5E4DE}"/>
                 </a:ext>
               </a:extLst>
             </p:cNvPr>
@@ -6290,7 +6290,7 @@
             <p:cNvPr id="149" name="그림 148">
               <a:extLst>
                 <a:ext uri="{FF2B5EF4-FFF2-40B4-BE49-F238E27FC236}">
-                  <a16:creationId xmlns:a16="http://schemas.microsoft.com/office/drawing/2014/main" xmlns="" id="{A1123AA5-1FFC-43F8-A49C-204E33C5E4DE}"/>
+                  <a16:creationId xmlns="" xmlns:a16="http://schemas.microsoft.com/office/drawing/2014/main" id="{A1123AA5-1FFC-43F8-A49C-204E33C5E4DE}"/>
                 </a:ext>
               </a:extLst>
             </p:cNvPr>

--- a/Web Scraping Project.pptx
+++ b/Web Scraping Project.pptx
@@ -5529,7 +5529,7 @@
             <p:cNvPr id="127" name="그림 126">
               <a:extLst>
                 <a:ext uri="{FF2B5EF4-FFF2-40B4-BE49-F238E27FC236}">
-                  <a16:creationId xmlns="" xmlns:a16="http://schemas.microsoft.com/office/drawing/2014/main" id="{ED794204-DC7A-4032-A95A-FEF0AA41527D}"/>
+                  <a16:creationId xmlns:a16="http://schemas.microsoft.com/office/drawing/2014/main" xmlns="" id="{ED794204-DC7A-4032-A95A-FEF0AA41527D}"/>
                 </a:ext>
               </a:extLst>
             </p:cNvPr>
@@ -5745,7 +5745,7 @@
             <p:cNvPr id="136" name="그림 135">
               <a:extLst>
                 <a:ext uri="{FF2B5EF4-FFF2-40B4-BE49-F238E27FC236}">
-                  <a16:creationId xmlns="" xmlns:a16="http://schemas.microsoft.com/office/drawing/2014/main" id="{A1123AA5-1FFC-43F8-A49C-204E33C5E4DE}"/>
+                  <a16:creationId xmlns:a16="http://schemas.microsoft.com/office/drawing/2014/main" xmlns="" id="{A1123AA5-1FFC-43F8-A49C-204E33C5E4DE}"/>
                 </a:ext>
               </a:extLst>
             </p:cNvPr>
@@ -6053,7 +6053,7 @@
           <p:cNvPr id="143" name="그림 142">
             <a:extLst>
               <a:ext uri="{FF2B5EF4-FFF2-40B4-BE49-F238E27FC236}">
-                <a16:creationId xmlns="" xmlns:a16="http://schemas.microsoft.com/office/drawing/2014/main" id="{ED794204-DC7A-4032-A95A-FEF0AA41527D}"/>
+                <a16:creationId xmlns:a16="http://schemas.microsoft.com/office/drawing/2014/main" xmlns="" id="{ED794204-DC7A-4032-A95A-FEF0AA41527D}"/>
               </a:ext>
             </a:extLst>
           </p:cNvPr>
@@ -6189,7 +6189,7 @@
             <p:cNvPr id="146" name="그림 145">
               <a:extLst>
                 <a:ext uri="{FF2B5EF4-FFF2-40B4-BE49-F238E27FC236}">
-                  <a16:creationId xmlns="" xmlns:a16="http://schemas.microsoft.com/office/drawing/2014/main" id="{A1123AA5-1FFC-43F8-A49C-204E33C5E4DE}"/>
+                  <a16:creationId xmlns:a16="http://schemas.microsoft.com/office/drawing/2014/main" xmlns="" id="{A1123AA5-1FFC-43F8-A49C-204E33C5E4DE}"/>
                 </a:ext>
               </a:extLst>
             </p:cNvPr>
@@ -6290,7 +6290,7 @@
             <p:cNvPr id="149" name="그림 148">
               <a:extLst>
                 <a:ext uri="{FF2B5EF4-FFF2-40B4-BE49-F238E27FC236}">
-                  <a16:creationId xmlns="" xmlns:a16="http://schemas.microsoft.com/office/drawing/2014/main" id="{A1123AA5-1FFC-43F8-A49C-204E33C5E4DE}"/>
+                  <a16:creationId xmlns:a16="http://schemas.microsoft.com/office/drawing/2014/main" xmlns="" id="{A1123AA5-1FFC-43F8-A49C-204E33C5E4DE}"/>
                 </a:ext>
               </a:extLst>
             </p:cNvPr>
@@ -8044,7 +8044,7 @@
         <p:spPr>
           <a:xfrm>
             <a:off x="6741749" y="5012309"/>
-            <a:ext cx="4959921" cy="830997"/>
+            <a:ext cx="4959921" cy="1077218"/>
           </a:xfrm>
           <a:prstGeom prst="rect">
             <a:avLst/>
@@ -8074,31 +8074,7 @@
                 <a:ea typeface="Verdana" charset="0"/>
                 <a:cs typeface="Verdana" charset="0"/>
               </a:rPr>
-              <a:t>What is </a:t>
-            </a:r>
-            <a:r>
-              <a:rPr lang="en-US" altLang="ko-KR" sz="1600" dirty="0" smtClean="0">
-                <a:latin typeface="Verdana" charset="0"/>
-                <a:ea typeface="Verdana" charset="0"/>
-                <a:cs typeface="Verdana" charset="0"/>
-              </a:rPr>
-              <a:t>the</a:t>
-            </a:r>
-            <a:r>
-              <a:rPr lang="ko-KR" altLang="en-US" sz="1600" dirty="0" smtClean="0">
-                <a:latin typeface="Verdana" charset="0"/>
-                <a:ea typeface="Verdana" charset="0"/>
-                <a:cs typeface="Verdana" charset="0"/>
-              </a:rPr>
-              <a:t> </a:t>
-            </a:r>
-            <a:r>
-              <a:rPr lang="en-US" altLang="ko-KR" sz="1600" dirty="0" smtClean="0">
-                <a:latin typeface="Verdana" charset="0"/>
-                <a:ea typeface="Verdana" charset="0"/>
-                <a:cs typeface="Verdana" charset="0"/>
-              </a:rPr>
-              <a:t>entrance </a:t>
+              <a:t>How much is the admission fee to a popular national park?</a:t>
             </a:r>
             <a:r>
               <a:rPr lang="en-US" altLang="ko-KR" sz="1600" dirty="0">
@@ -8106,7 +8082,15 @@
                 <a:ea typeface="Verdana" charset="0"/>
                 <a:cs typeface="Verdana" charset="0"/>
               </a:rPr>
-              <a:t>fee for a popular national park? Does it have to do with the </a:t>
+              <a:t>? </a:t>
+            </a:r>
+            <a:r>
+              <a:rPr lang="en-US" altLang="ko-KR" sz="1600" dirty="0">
+                <a:latin typeface="Verdana" charset="0"/>
+                <a:ea typeface="Verdana" charset="0"/>
+                <a:cs typeface="Verdana" charset="0"/>
+              </a:rPr>
+              <a:t>Does it have to do with the </a:t>
             </a:r>
             <a:r>
               <a:rPr lang="en-US" altLang="ko-KR" sz="1600" dirty="0" smtClean="0">
@@ -11363,7 +11347,7 @@
         <p:spPr>
           <a:xfrm>
             <a:off x="929974" y="184187"/>
-            <a:ext cx="10398426" cy="954107"/>
+            <a:ext cx="10398426" cy="892552"/>
           </a:xfrm>
           <a:prstGeom prst="rect">
             <a:avLst/>
@@ -11442,15 +11426,23 @@
           </a:p>
           <a:p>
             <a:r>
-              <a:rPr lang="en-US" altLang="ko-KR" sz="2800" dirty="0" smtClean="0">
-                <a:latin typeface="Verdana" charset="0"/>
-                <a:ea typeface="Verdana" charset="0"/>
-                <a:cs typeface="Verdana" charset="0"/>
-              </a:rPr>
-              <a:t>What </a:t>
-            </a:r>
-            <a:r>
-              <a:rPr lang="en-US" altLang="ko-KR" sz="2800" dirty="0">
+              <a:rPr lang="en-US" altLang="ko-KR" sz="2400" dirty="0">
+                <a:latin typeface="Verdana" charset="0"/>
+                <a:ea typeface="Verdana" charset="0"/>
+                <a:cs typeface="Verdana" charset="0"/>
+              </a:rPr>
+              <a:t>How </a:t>
+            </a:r>
+            <a:r>
+              <a:rPr lang="en-US" altLang="ko-KR" sz="2400" dirty="0" smtClean="0">
+                <a:latin typeface="Verdana" charset="0"/>
+                <a:ea typeface="Verdana" charset="0"/>
+                <a:cs typeface="Verdana" charset="0"/>
+              </a:rPr>
+              <a:t>much </a:t>
+            </a:r>
+            <a:r>
+              <a:rPr lang="en-US" altLang="ko-KR" sz="2400" dirty="0">
                 <a:latin typeface="Verdana" charset="0"/>
                 <a:ea typeface="Verdana" charset="0"/>
                 <a:cs typeface="Verdana" charset="0"/>
@@ -11458,7 +11450,7 @@
               <a:t>is the </a:t>
             </a:r>
             <a:r>
-              <a:rPr lang="en-US" altLang="ko-KR" sz="2800" dirty="0" smtClean="0">
+              <a:rPr lang="en-US" altLang="ko-KR" sz="2400" dirty="0" smtClean="0">
                 <a:latin typeface="Verdana" charset="0"/>
                 <a:ea typeface="Verdana" charset="0"/>
                 <a:cs typeface="Verdana" charset="0"/>
@@ -11466,14 +11458,14 @@
               <a:t>Entrance </a:t>
             </a:r>
             <a:r>
-              <a:rPr lang="en-US" altLang="ko-KR" sz="2800" dirty="0">
+              <a:rPr lang="en-US" altLang="ko-KR" sz="2400" dirty="0">
                 <a:latin typeface="Verdana" charset="0"/>
                 <a:ea typeface="Verdana" charset="0"/>
                 <a:cs typeface="Verdana" charset="0"/>
               </a:rPr>
               <a:t>fee for a popular national park? </a:t>
             </a:r>
-            <a:endParaRPr lang="ko-KR" altLang="en-US" sz="2800" dirty="0">
+            <a:endParaRPr lang="ko-KR" altLang="en-US" sz="2400" dirty="0">
               <a:latin typeface="Verdana" charset="0"/>
               <a:ea typeface="Verdana" charset="0"/>
               <a:cs typeface="Verdana" charset="0"/>

--- a/Web Scraping Project.pptx
+++ b/Web Scraping Project.pptx
@@ -5400,7 +5400,23 @@
                 <a:ea typeface="Verdana" charset="0"/>
                 <a:cs typeface="Verdana" charset="0"/>
               </a:rPr>
-              <a:t>The number one visitor is Great Smoke Mountain, and except for this, the number of visitors has changed since the past. </a:t>
+              <a:t>The number one visitor is Great </a:t>
+            </a:r>
+            <a:r>
+              <a:rPr lang="en-US" altLang="ko-KR" dirty="0" smtClean="0">
+                <a:latin typeface="Verdana" charset="0"/>
+                <a:ea typeface="Verdana" charset="0"/>
+                <a:cs typeface="Verdana" charset="0"/>
+              </a:rPr>
+              <a:t>Smoky Mountains National park, </a:t>
+            </a:r>
+            <a:r>
+              <a:rPr lang="en-US" altLang="ko-KR" dirty="0">
+                <a:latin typeface="Verdana" charset="0"/>
+                <a:ea typeface="Verdana" charset="0"/>
+                <a:cs typeface="Verdana" charset="0"/>
+              </a:rPr>
+              <a:t>and except for this, the number of visitors has changed since the past. </a:t>
             </a:r>
             <a:endParaRPr lang="ko-KR" altLang="en-US" dirty="0">
               <a:latin typeface="Verdana" charset="0"/>
@@ -5529,7 +5545,7 @@
             <p:cNvPr id="127" name="그림 126">
               <a:extLst>
                 <a:ext uri="{FF2B5EF4-FFF2-40B4-BE49-F238E27FC236}">
-                  <a16:creationId xmlns:a16="http://schemas.microsoft.com/office/drawing/2014/main" xmlns="" id="{ED794204-DC7A-4032-A95A-FEF0AA41527D}"/>
+                  <a16:creationId xmlns="" xmlns:a16="http://schemas.microsoft.com/office/drawing/2014/main" id="{ED794204-DC7A-4032-A95A-FEF0AA41527D}"/>
                 </a:ext>
               </a:extLst>
             </p:cNvPr>
@@ -5634,7 +5650,7 @@
                 <a:ea typeface="Verdana" charset="0"/>
                 <a:cs typeface="Verdana" charset="0"/>
               </a:rPr>
-              <a:t>The Great Smokey </a:t>
+              <a:t>The Great </a:t>
             </a:r>
             <a:r>
               <a:rPr lang="en-US" altLang="ko-KR" sz="1600" dirty="0" smtClean="0">
@@ -5642,7 +5658,7 @@
                 <a:ea typeface="Verdana" charset="0"/>
                 <a:cs typeface="Verdana" charset="0"/>
               </a:rPr>
-              <a:t>Mountain</a:t>
+              <a:t>Smoky Mountains National Park</a:t>
             </a:r>
             <a:r>
               <a:rPr lang="ko-KR" altLang="en-US" sz="1600" dirty="0" smtClean="0">
@@ -5684,20 +5700,37 @@
               </a:rPr>
               <a:t>and has the largest number of visitors. </a:t>
             </a:r>
-            <a:br>
+            <a:r>
+              <a:rPr lang="en-US" altLang="ko-KR" sz="1600" dirty="0" smtClean="0">
+                <a:latin typeface="Verdana" charset="0"/>
+                <a:ea typeface="Verdana" charset="0"/>
+                <a:cs typeface="Verdana" charset="0"/>
+              </a:rPr>
+              <a:t>With </a:t>
+            </a:r>
+            <a:r>
               <a:rPr lang="en-US" altLang="ko-KR" sz="1600" dirty="0">
                 <a:latin typeface="Verdana" charset="0"/>
                 <a:ea typeface="Verdana" charset="0"/>
                 <a:cs typeface="Verdana" charset="0"/>
               </a:rPr>
-            </a:br>
+              <a:t>the exception of Great </a:t>
+            </a:r>
+            <a:r>
+              <a:rPr lang="en-US" altLang="ko-KR" sz="1600" dirty="0" smtClean="0">
+                <a:latin typeface="Verdana" charset="0"/>
+                <a:ea typeface="Verdana" charset="0"/>
+                <a:cs typeface="Verdana" charset="0"/>
+              </a:rPr>
+              <a:t>Smoky </a:t>
+            </a:r>
             <a:r>
               <a:rPr lang="en-US" altLang="ko-KR" sz="1600" dirty="0">
                 <a:latin typeface="Verdana" charset="0"/>
                 <a:ea typeface="Verdana" charset="0"/>
                 <a:cs typeface="Verdana" charset="0"/>
               </a:rPr>
-              <a:t>With the exception of Great Smokey Mountain, the high </a:t>
+              <a:t>Mountain, the high </a:t>
             </a:r>
             <a:r>
               <a:rPr lang="en-US" altLang="ko-KR" sz="1600" dirty="0" smtClean="0">
@@ -5745,7 +5778,7 @@
             <p:cNvPr id="136" name="그림 135">
               <a:extLst>
                 <a:ext uri="{FF2B5EF4-FFF2-40B4-BE49-F238E27FC236}">
-                  <a16:creationId xmlns:a16="http://schemas.microsoft.com/office/drawing/2014/main" xmlns="" id="{A1123AA5-1FFC-43F8-A49C-204E33C5E4DE}"/>
+                  <a16:creationId xmlns="" xmlns:a16="http://schemas.microsoft.com/office/drawing/2014/main" id="{A1123AA5-1FFC-43F8-A49C-204E33C5E4DE}"/>
                 </a:ext>
               </a:extLst>
             </p:cNvPr>
@@ -6053,7 +6086,7 @@
           <p:cNvPr id="143" name="그림 142">
             <a:extLst>
               <a:ext uri="{FF2B5EF4-FFF2-40B4-BE49-F238E27FC236}">
-                <a16:creationId xmlns:a16="http://schemas.microsoft.com/office/drawing/2014/main" xmlns="" id="{ED794204-DC7A-4032-A95A-FEF0AA41527D}"/>
+                <a16:creationId xmlns="" xmlns:a16="http://schemas.microsoft.com/office/drawing/2014/main" id="{ED794204-DC7A-4032-A95A-FEF0AA41527D}"/>
               </a:ext>
             </a:extLst>
           </p:cNvPr>
@@ -6189,7 +6222,7 @@
             <p:cNvPr id="146" name="그림 145">
               <a:extLst>
                 <a:ext uri="{FF2B5EF4-FFF2-40B4-BE49-F238E27FC236}">
-                  <a16:creationId xmlns:a16="http://schemas.microsoft.com/office/drawing/2014/main" xmlns="" id="{A1123AA5-1FFC-43F8-A49C-204E33C5E4DE}"/>
+                  <a16:creationId xmlns="" xmlns:a16="http://schemas.microsoft.com/office/drawing/2014/main" id="{A1123AA5-1FFC-43F8-A49C-204E33C5E4DE}"/>
                 </a:ext>
               </a:extLst>
             </p:cNvPr>
@@ -6290,7 +6323,7 @@
             <p:cNvPr id="149" name="그림 148">
               <a:extLst>
                 <a:ext uri="{FF2B5EF4-FFF2-40B4-BE49-F238E27FC236}">
-                  <a16:creationId xmlns:a16="http://schemas.microsoft.com/office/drawing/2014/main" xmlns="" id="{A1123AA5-1FFC-43F8-A49C-204E33C5E4DE}"/>
+                  <a16:creationId xmlns="" xmlns:a16="http://schemas.microsoft.com/office/drawing/2014/main" id="{A1123AA5-1FFC-43F8-A49C-204E33C5E4DE}"/>
                 </a:ext>
               </a:extLst>
             </p:cNvPr>
@@ -8074,23 +8107,7 @@
                 <a:ea typeface="Verdana" charset="0"/>
                 <a:cs typeface="Verdana" charset="0"/>
               </a:rPr>
-              <a:t>How much is the admission fee to a popular national park?</a:t>
-            </a:r>
-            <a:r>
-              <a:rPr lang="en-US" altLang="ko-KR" sz="1600" dirty="0">
-                <a:latin typeface="Verdana" charset="0"/>
-                <a:ea typeface="Verdana" charset="0"/>
-                <a:cs typeface="Verdana" charset="0"/>
-              </a:rPr>
-              <a:t>? </a:t>
-            </a:r>
-            <a:r>
-              <a:rPr lang="en-US" altLang="ko-KR" sz="1600" dirty="0">
-                <a:latin typeface="Verdana" charset="0"/>
-                <a:ea typeface="Verdana" charset="0"/>
-                <a:cs typeface="Verdana" charset="0"/>
-              </a:rPr>
-              <a:t>Does it have to do with the </a:t>
+              <a:t>How much is the admission fee to a popular national park?? Does it have to do with the </a:t>
             </a:r>
             <a:r>
               <a:rPr lang="en-US" altLang="ko-KR" sz="1600" dirty="0" smtClean="0">
